--- a/CSE308-S19/Slides/PPT/Ch4 - Requirements analysis.pptx
+++ b/CSE308-S19/Slides/PPT/Ch4 - Requirements analysis.pptx
@@ -5,10 +5,10 @@
     <p:sldMasterId id="2147483708" r:id="rId1"/>
   </p:sldMasterIdLst>
   <p:notesMasterIdLst>
-    <p:notesMasterId r:id="rId58"/>
+    <p:notesMasterId r:id="rId59"/>
   </p:notesMasterIdLst>
   <p:handoutMasterIdLst>
-    <p:handoutMasterId r:id="rId59"/>
+    <p:handoutMasterId r:id="rId60"/>
   </p:handoutMasterIdLst>
   <p:sldIdLst>
     <p:sldId id="256" r:id="rId2"/>
@@ -46,30 +46,31 @@
     <p:sldId id="383" r:id="rId34"/>
     <p:sldId id="346" r:id="rId35"/>
     <p:sldId id="395" r:id="rId36"/>
-    <p:sldId id="358" r:id="rId37"/>
-    <p:sldId id="365" r:id="rId38"/>
-    <p:sldId id="366" r:id="rId39"/>
-    <p:sldId id="374" r:id="rId40"/>
-    <p:sldId id="375" r:id="rId41"/>
-    <p:sldId id="388" r:id="rId42"/>
-    <p:sldId id="389" r:id="rId43"/>
-    <p:sldId id="390" r:id="rId44"/>
-    <p:sldId id="391" r:id="rId45"/>
-    <p:sldId id="356" r:id="rId46"/>
-    <p:sldId id="295" r:id="rId47"/>
-    <p:sldId id="297" r:id="rId48"/>
-    <p:sldId id="355" r:id="rId49"/>
-    <p:sldId id="274" r:id="rId50"/>
-    <p:sldId id="350" r:id="rId51"/>
-    <p:sldId id="275" r:id="rId52"/>
-    <p:sldId id="401" r:id="rId53"/>
-    <p:sldId id="402" r:id="rId54"/>
-    <p:sldId id="403" r:id="rId55"/>
-    <p:sldId id="404" r:id="rId56"/>
-    <p:sldId id="406" r:id="rId57"/>
+    <p:sldId id="407" r:id="rId37"/>
+    <p:sldId id="358" r:id="rId38"/>
+    <p:sldId id="365" r:id="rId39"/>
+    <p:sldId id="366" r:id="rId40"/>
+    <p:sldId id="374" r:id="rId41"/>
+    <p:sldId id="375" r:id="rId42"/>
+    <p:sldId id="388" r:id="rId43"/>
+    <p:sldId id="389" r:id="rId44"/>
+    <p:sldId id="390" r:id="rId45"/>
+    <p:sldId id="391" r:id="rId46"/>
+    <p:sldId id="356" r:id="rId47"/>
+    <p:sldId id="295" r:id="rId48"/>
+    <p:sldId id="297" r:id="rId49"/>
+    <p:sldId id="355" r:id="rId50"/>
+    <p:sldId id="274" r:id="rId51"/>
+    <p:sldId id="350" r:id="rId52"/>
+    <p:sldId id="275" r:id="rId53"/>
+    <p:sldId id="401" r:id="rId54"/>
+    <p:sldId id="402" r:id="rId55"/>
+    <p:sldId id="403" r:id="rId56"/>
+    <p:sldId id="404" r:id="rId57"/>
+    <p:sldId id="406" r:id="rId58"/>
   </p:sldIdLst>
   <p:sldSz cx="9144000" cy="6858000" type="screen4x3"/>
-  <p:notesSz cx="6858000" cy="9144000"/>
+  <p:notesSz cx="7315200" cy="9601200"/>
   <p:defaultTextStyle>
     <a:defPPr>
       <a:defRPr lang="en-US"/>
@@ -249,17 +250,17 @@
         <p:spPr>
           <a:xfrm>
             <a:off x="0" y="0"/>
-            <a:ext cx="2971800" cy="457200"/>
+            <a:ext cx="3169920" cy="480060"/>
           </a:xfrm>
           <a:prstGeom prst="rect">
             <a:avLst/>
           </a:prstGeom>
         </p:spPr>
         <p:txBody>
-          <a:bodyPr vert="horz" lIns="91440" tIns="45720" rIns="91440" bIns="45720" rtlCol="0"/>
+          <a:bodyPr vert="horz" lIns="96661" tIns="48331" rIns="96661" bIns="48331" rtlCol="0"/>
           <a:lstStyle>
             <a:lvl1pPr algn="l">
-              <a:defRPr sz="1200" smtClean="0"/>
+              <a:defRPr sz="1300" smtClean="0"/>
             </a:lvl1pPr>
           </a:lstStyle>
           <a:p>
@@ -282,18 +283,18 @@
         </p:nvSpPr>
         <p:spPr>
           <a:xfrm>
-            <a:off x="3884613" y="0"/>
-            <a:ext cx="2971800" cy="457200"/>
+            <a:off x="4143587" y="0"/>
+            <a:ext cx="3169920" cy="480060"/>
           </a:xfrm>
           <a:prstGeom prst="rect">
             <a:avLst/>
           </a:prstGeom>
         </p:spPr>
         <p:txBody>
-          <a:bodyPr vert="horz" lIns="91440" tIns="45720" rIns="91440" bIns="45720" rtlCol="0"/>
+          <a:bodyPr vert="horz" lIns="96661" tIns="48331" rIns="96661" bIns="48331" rtlCol="0"/>
           <a:lstStyle>
             <a:lvl1pPr algn="r">
-              <a:defRPr sz="1200" smtClean="0"/>
+              <a:defRPr sz="1300" smtClean="0"/>
             </a:lvl1pPr>
           </a:lstStyle>
           <a:p>
@@ -305,7 +306,7 @@
               <a:pPr>
                 <a:defRPr/>
               </a:pPr>
-              <a:t>3/25/2019</a:t>
+              <a:t>4/1/2019</a:t>
             </a:fld>
             <a:endParaRPr lang="en-US"/>
           </a:p>
@@ -323,18 +324,18 @@
         </p:nvSpPr>
         <p:spPr>
           <a:xfrm>
-            <a:off x="0" y="8685213"/>
-            <a:ext cx="2971800" cy="457200"/>
+            <a:off x="0" y="9119474"/>
+            <a:ext cx="3169920" cy="480060"/>
           </a:xfrm>
           <a:prstGeom prst="rect">
             <a:avLst/>
           </a:prstGeom>
         </p:spPr>
         <p:txBody>
-          <a:bodyPr vert="horz" lIns="91440" tIns="45720" rIns="91440" bIns="45720" rtlCol="0" anchor="b"/>
+          <a:bodyPr vert="horz" lIns="96661" tIns="48331" rIns="96661" bIns="48331" rtlCol="0" anchor="b"/>
           <a:lstStyle>
             <a:lvl1pPr algn="l">
-              <a:defRPr sz="1200" smtClean="0"/>
+              <a:defRPr sz="1300" smtClean="0"/>
             </a:lvl1pPr>
           </a:lstStyle>
           <a:p>
@@ -357,18 +358,18 @@
         </p:nvSpPr>
         <p:spPr>
           <a:xfrm>
-            <a:off x="3884613" y="8685213"/>
-            <a:ext cx="2971800" cy="457200"/>
+            <a:off x="4143587" y="9119474"/>
+            <a:ext cx="3169920" cy="480060"/>
           </a:xfrm>
           <a:prstGeom prst="rect">
             <a:avLst/>
           </a:prstGeom>
         </p:spPr>
         <p:txBody>
-          <a:bodyPr vert="horz" lIns="91440" tIns="45720" rIns="91440" bIns="45720" rtlCol="0" anchor="b"/>
+          <a:bodyPr vert="horz" lIns="96661" tIns="48331" rIns="96661" bIns="48331" rtlCol="0" anchor="b"/>
           <a:lstStyle>
             <a:lvl1pPr algn="r">
-              <a:defRPr sz="1200" smtClean="0"/>
+              <a:defRPr sz="1300" smtClean="0"/>
             </a:lvl1pPr>
           </a:lstStyle>
           <a:p>
@@ -433,17 +434,17 @@
         <p:spPr>
           <a:xfrm>
             <a:off x="0" y="0"/>
-            <a:ext cx="2971800" cy="457200"/>
+            <a:ext cx="3169920" cy="480060"/>
           </a:xfrm>
           <a:prstGeom prst="rect">
             <a:avLst/>
           </a:prstGeom>
         </p:spPr>
         <p:txBody>
-          <a:bodyPr vert="horz" lIns="91440" tIns="45720" rIns="91440" bIns="45720" rtlCol="0"/>
+          <a:bodyPr vert="horz" lIns="96661" tIns="48331" rIns="96661" bIns="48331" rtlCol="0"/>
           <a:lstStyle>
             <a:lvl1pPr algn="l">
-              <a:defRPr sz="1200" smtClean="0"/>
+              <a:defRPr sz="1300" smtClean="0"/>
             </a:lvl1pPr>
           </a:lstStyle>
           <a:p>
@@ -466,18 +467,18 @@
         </p:nvSpPr>
         <p:spPr>
           <a:xfrm>
-            <a:off x="3884613" y="0"/>
-            <a:ext cx="2971800" cy="457200"/>
+            <a:off x="4143587" y="0"/>
+            <a:ext cx="3169920" cy="480060"/>
           </a:xfrm>
           <a:prstGeom prst="rect">
             <a:avLst/>
           </a:prstGeom>
         </p:spPr>
         <p:txBody>
-          <a:bodyPr vert="horz" lIns="91440" tIns="45720" rIns="91440" bIns="45720" rtlCol="0"/>
+          <a:bodyPr vert="horz" lIns="96661" tIns="48331" rIns="96661" bIns="48331" rtlCol="0"/>
           <a:lstStyle>
             <a:lvl1pPr algn="r">
-              <a:defRPr sz="1200" smtClean="0"/>
+              <a:defRPr sz="1300" smtClean="0"/>
             </a:lvl1pPr>
           </a:lstStyle>
           <a:p>
@@ -489,7 +490,7 @@
               <a:pPr>
                 <a:defRPr/>
               </a:pPr>
-              <a:t>3/25/2019</a:t>
+              <a:t>4/1/2019</a:t>
             </a:fld>
             <a:endParaRPr lang="en-US"/>
           </a:p>
@@ -507,8 +508,8 @@
         </p:nvSpPr>
         <p:spPr>
           <a:xfrm>
-            <a:off x="1143000" y="685800"/>
-            <a:ext cx="4572000" cy="3429000"/>
+            <a:off x="1257300" y="720725"/>
+            <a:ext cx="4800600" cy="3600450"/>
           </a:xfrm>
           <a:prstGeom prst="rect">
             <a:avLst/>
@@ -521,7 +522,7 @@
           </a:ln>
         </p:spPr>
         <p:txBody>
-          <a:bodyPr vert="horz" lIns="91440" tIns="45720" rIns="91440" bIns="45720" rtlCol="0" anchor="ctr"/>
+          <a:bodyPr vert="horz" lIns="96661" tIns="48331" rIns="96661" bIns="48331" rtlCol="0" anchor="ctr"/>
           <a:lstStyle/>
           <a:p>
             <a:pPr lvl="0"/>
@@ -541,15 +542,15 @@
         </p:nvSpPr>
         <p:spPr>
           <a:xfrm>
-            <a:off x="685800" y="4343400"/>
-            <a:ext cx="5486400" cy="4114800"/>
+            <a:off x="731520" y="4560570"/>
+            <a:ext cx="5852160" cy="4320540"/>
           </a:xfrm>
           <a:prstGeom prst="rect">
             <a:avLst/>
           </a:prstGeom>
         </p:spPr>
         <p:txBody>
-          <a:bodyPr vert="horz" lIns="91440" tIns="45720" rIns="91440" bIns="45720" rtlCol="0">
+          <a:bodyPr vert="horz" lIns="96661" tIns="48331" rIns="96661" bIns="48331" rtlCol="0">
             <a:normAutofit/>
           </a:bodyPr>
           <a:lstStyle/>
@@ -603,18 +604,18 @@
         </p:nvSpPr>
         <p:spPr>
           <a:xfrm>
-            <a:off x="0" y="8685213"/>
-            <a:ext cx="2971800" cy="457200"/>
+            <a:off x="0" y="9119474"/>
+            <a:ext cx="3169920" cy="480060"/>
           </a:xfrm>
           <a:prstGeom prst="rect">
             <a:avLst/>
           </a:prstGeom>
         </p:spPr>
         <p:txBody>
-          <a:bodyPr vert="horz" lIns="91440" tIns="45720" rIns="91440" bIns="45720" rtlCol="0" anchor="b"/>
+          <a:bodyPr vert="horz" lIns="96661" tIns="48331" rIns="96661" bIns="48331" rtlCol="0" anchor="b"/>
           <a:lstStyle>
             <a:lvl1pPr algn="l">
-              <a:defRPr sz="1200" smtClean="0"/>
+              <a:defRPr sz="1300" smtClean="0"/>
             </a:lvl1pPr>
           </a:lstStyle>
           <a:p>
@@ -637,18 +638,18 @@
         </p:nvSpPr>
         <p:spPr>
           <a:xfrm>
-            <a:off x="3884613" y="8685213"/>
-            <a:ext cx="2971800" cy="457200"/>
+            <a:off x="4143587" y="9119474"/>
+            <a:ext cx="3169920" cy="480060"/>
           </a:xfrm>
           <a:prstGeom prst="rect">
             <a:avLst/>
           </a:prstGeom>
         </p:spPr>
         <p:txBody>
-          <a:bodyPr vert="horz" lIns="91440" tIns="45720" rIns="91440" bIns="45720" rtlCol="0" anchor="b"/>
+          <a:bodyPr vert="horz" lIns="96661" tIns="48331" rIns="96661" bIns="48331" rtlCol="0" anchor="b"/>
           <a:lstStyle>
             <a:lvl1pPr algn="r">
-              <a:defRPr sz="1200" smtClean="0"/>
+              <a:defRPr sz="1300" smtClean="0"/>
             </a:lvl1pPr>
           </a:lstStyle>
           <a:p>
@@ -991,7 +992,7 @@
             </a:pPr>
             <a:fld id="{4416E5B3-E147-4323-9BA9-EE5553B7910F}" type="datetime1">
               <a:rPr lang="en-US" smtClean="0"/>
-              <a:t>3/25/2019</a:t>
+              <a:t>4/1/2019</a:t>
             </a:fld>
             <a:endParaRPr lang="en-US" dirty="0"/>
           </a:p>
@@ -1194,7 +1195,7 @@
             </a:pPr>
             <a:fld id="{94AB5149-2D8C-4AAA-BA23-30FC43C91047}" type="datetime1">
               <a:rPr lang="en-US" smtClean="0"/>
-              <a:t>3/25/2019</a:t>
+              <a:t>4/1/2019</a:t>
             </a:fld>
             <a:endParaRPr lang="en-US" dirty="0"/>
           </a:p>
@@ -1402,7 +1403,7 @@
             </a:pPr>
             <a:fld id="{7D908AF9-19B8-44CC-BBFA-A8BC7BA9DA86}" type="datetime1">
               <a:rPr lang="en-US" smtClean="0"/>
-              <a:t>3/25/2019</a:t>
+              <a:t>4/1/2019</a:t>
             </a:fld>
             <a:endParaRPr lang="en-US" dirty="0"/>
           </a:p>
@@ -1667,7 +1668,7 @@
             </a:pPr>
             <a:fld id="{14818F06-036E-4D71-B4F9-4C90CFAE8AEC}" type="datetime1">
               <a:rPr lang="en-US" smtClean="0"/>
-              <a:t>3/25/2019</a:t>
+              <a:t>4/1/2019</a:t>
             </a:fld>
             <a:endParaRPr lang="en-US" dirty="0"/>
           </a:p>
@@ -1941,7 +1942,7 @@
             </a:pPr>
             <a:fld id="{74B6DA84-21A5-45C4-9085-B9563A886C89}" type="datetime1">
               <a:rPr lang="en-US" smtClean="0"/>
-              <a:t>3/25/2019</a:t>
+              <a:t>4/1/2019</a:t>
             </a:fld>
             <a:endParaRPr lang="en-US" dirty="0"/>
           </a:p>
@@ -2260,7 +2261,7 @@
             </a:pPr>
             <a:fld id="{FE6A453E-BAB2-45FD-B446-3700E8CBB947}" type="datetime1">
               <a:rPr lang="en-US" smtClean="0"/>
-              <a:t>3/25/2019</a:t>
+              <a:t>4/1/2019</a:t>
             </a:fld>
             <a:endParaRPr lang="en-US" dirty="0"/>
           </a:p>
@@ -2719,7 +2720,7 @@
             </a:pPr>
             <a:fld id="{C9EBD977-8298-4E54-94B7-1FD7969CA63E}" type="datetime1">
               <a:rPr lang="en-US" smtClean="0"/>
-              <a:t>3/25/2019</a:t>
+              <a:t>4/1/2019</a:t>
             </a:fld>
             <a:endParaRPr lang="en-US" dirty="0"/>
           </a:p>
@@ -2862,7 +2863,7 @@
             </a:pPr>
             <a:fld id="{D77E446A-DF0D-4BD7-BEA4-27E6855CBA8E}" type="datetime1">
               <a:rPr lang="en-US" smtClean="0"/>
-              <a:t>3/25/2019</a:t>
+              <a:t>4/1/2019</a:t>
             </a:fld>
             <a:endParaRPr lang="en-US" dirty="0"/>
           </a:p>
@@ -2982,7 +2983,7 @@
             </a:pPr>
             <a:fld id="{29AA3CAE-627C-4D1E-A5DD-79A87E1B7A76}" type="datetime1">
               <a:rPr lang="en-US" smtClean="0"/>
-              <a:t>3/25/2019</a:t>
+              <a:t>4/1/2019</a:t>
             </a:fld>
             <a:endParaRPr lang="en-US" dirty="0"/>
           </a:p>
@@ -3290,7 +3291,7 @@
             </a:pPr>
             <a:fld id="{6B18F043-26A9-4DD5-A12C-63C3E223335A}" type="datetime1">
               <a:rPr lang="en-US" smtClean="0"/>
-              <a:t>3/25/2019</a:t>
+              <a:t>4/1/2019</a:t>
             </a:fld>
             <a:endParaRPr lang="en-US" dirty="0"/>
           </a:p>
@@ -3579,7 +3580,7 @@
             </a:pPr>
             <a:fld id="{D09D9BCC-F2E2-4193-A7BB-8579B0CCB0BC}" type="datetime1">
               <a:rPr lang="en-US" smtClean="0"/>
-              <a:t>3/25/2019</a:t>
+              <a:t>4/1/2019</a:t>
             </a:fld>
             <a:endParaRPr lang="en-US" dirty="0"/>
           </a:p>
@@ -3770,7 +3771,7 @@
             </a:pPr>
             <a:fld id="{193769E5-EA34-4DE5-A0E2-BB0EFD90B0AB}" type="datetime1">
               <a:rPr lang="en-US" smtClean="0"/>
-              <a:t>3/25/2019</a:t>
+              <a:t>4/1/2019</a:t>
             </a:fld>
             <a:endParaRPr lang="en-US" dirty="0"/>
           </a:p>
@@ -4546,7 +4547,7 @@
             </a:pPr>
             <a:fld id="{BB23987A-C150-405F-A2EF-4288675C33AF}" type="datetime1">
               <a:rPr lang="en-US" smtClean="0"/>
-              <a:t>3/25/2019</a:t>
+              <a:t>4/1/2019</a:t>
             </a:fld>
             <a:endParaRPr lang="en-US" dirty="0"/>
           </a:p>
@@ -4681,7 +4682,7 @@
             </a:pPr>
             <a:fld id="{9F8E3AEC-21A6-4EC6-BCD4-5C08FF70F7E1}" type="datetime1">
               <a:rPr lang="en-US" smtClean="0"/>
-              <a:t>3/25/2019</a:t>
+              <a:t>4/1/2019</a:t>
             </a:fld>
             <a:endParaRPr lang="en-US" dirty="0"/>
           </a:p>
@@ -4787,7 +4788,7 @@
             </a:pPr>
             <a:fld id="{0E8814A8-AB7D-4854-879D-ECE94AC17DA1}" type="datetime1">
               <a:rPr lang="en-US" smtClean="0"/>
-              <a:t>3/25/2019</a:t>
+              <a:t>4/1/2019</a:t>
             </a:fld>
             <a:endParaRPr lang="en-US" dirty="0"/>
           </a:p>
@@ -4983,7 +4984,7 @@
             </a:pPr>
             <a:fld id="{A38E1B7F-B335-4E5C-BDF2-802D8D7972BB}" type="datetime1">
               <a:rPr lang="en-US" smtClean="0"/>
-              <a:t>3/25/2019</a:t>
+              <a:t>4/1/2019</a:t>
             </a:fld>
             <a:endParaRPr lang="en-US" dirty="0"/>
           </a:p>
@@ -5177,7 +5178,7 @@
             </a:pPr>
             <a:fld id="{07E2788D-AB14-4EFA-9FD2-C024353CE289}" type="datetime1">
               <a:rPr lang="en-US" smtClean="0"/>
-              <a:t>3/25/2019</a:t>
+              <a:t>4/1/2019</a:t>
             </a:fld>
             <a:endParaRPr lang="en-US" dirty="0"/>
           </a:p>
@@ -5360,7 +5361,7 @@
             </a:pPr>
             <a:fld id="{0AFCEAA4-FE8D-4AF6-8FB7-1632E1D9705F}" type="datetime1">
               <a:rPr lang="en-US" smtClean="0"/>
-              <a:t>3/25/2019</a:t>
+              <a:t>4/1/2019</a:t>
             </a:fld>
             <a:endParaRPr lang="en-US" dirty="0"/>
           </a:p>
@@ -5476,7 +5477,7 @@
             </a:pPr>
             <a:fld id="{DF641E79-F617-4E16-A3F6-CC4AAC48EF4E}" type="datetime1">
               <a:rPr lang="en-US" smtClean="0"/>
-              <a:t>3/25/2019</a:t>
+              <a:t>4/1/2019</a:t>
             </a:fld>
             <a:endParaRPr lang="en-US" dirty="0"/>
           </a:p>
@@ -5712,7 +5713,7 @@
             </a:pPr>
             <a:fld id="{2458F2B5-7A1C-454C-AF4C-B3D1DD3D4A62}" type="datetime1">
               <a:rPr lang="en-US" smtClean="0"/>
-              <a:t>3/25/2019</a:t>
+              <a:t>4/1/2019</a:t>
             </a:fld>
             <a:endParaRPr lang="en-US" dirty="0"/>
           </a:p>
@@ -5857,7 +5858,7 @@
             </a:pPr>
             <a:fld id="{A19F1723-E18F-4BEF-B6B5-6AC5F1D7B7CE}" type="datetime1">
               <a:rPr lang="en-US" smtClean="0"/>
-              <a:t>3/25/2019</a:t>
+              <a:t>4/1/2019</a:t>
             </a:fld>
             <a:endParaRPr lang="en-US" dirty="0"/>
           </a:p>
@@ -5908,7 +5909,7 @@
           <a:p>
             <a:r>
               <a:rPr lang="en-US" dirty="0"/>
-              <a:t>Mentcare system: functional requirements</a:t>
+              <a:t>Mentcare system: examples of functional requirements</a:t>
             </a:r>
           </a:p>
         </p:txBody>
@@ -6003,7 +6004,7 @@
             </a:pPr>
             <a:fld id="{343AE8F7-5F11-41FA-A85D-721CC788C045}" type="datetime1">
               <a:rPr lang="en-US" smtClean="0"/>
-              <a:t>3/25/2019</a:t>
+              <a:t>4/1/2019</a:t>
             </a:fld>
             <a:endParaRPr lang="en-US" dirty="0"/>
           </a:p>
@@ -6163,7 +6164,7 @@
             </a:pPr>
             <a:fld id="{4FC71BDC-C4F7-4B0D-9851-C8BCA80CF93E}" type="datetime1">
               <a:rPr lang="en-US" smtClean="0"/>
-              <a:t>3/25/2019</a:t>
+              <a:t>4/1/2019</a:t>
             </a:fld>
             <a:endParaRPr lang="en-US" dirty="0"/>
           </a:p>
@@ -6311,7 +6312,7 @@
             </a:pPr>
             <a:fld id="{E92E8CB9-B34B-40BC-854B-2FCEC497A1EF}" type="datetime1">
               <a:rPr lang="en-US" smtClean="0"/>
-              <a:t>3/25/2019</a:t>
+              <a:t>4/1/2019</a:t>
             </a:fld>
             <a:endParaRPr lang="en-US" dirty="0"/>
           </a:p>
@@ -6446,7 +6447,7 @@
             </a:pPr>
             <a:fld id="{E7E893E7-34A1-42CF-A6C0-E5C78EC6A16D}" type="datetime1">
               <a:rPr lang="en-US" smtClean="0"/>
-              <a:t>3/25/2019</a:t>
+              <a:t>4/1/2019</a:t>
             </a:fld>
             <a:endParaRPr lang="en-US" dirty="0"/>
           </a:p>
@@ -6612,7 +6613,7 @@
             </a:pPr>
             <a:fld id="{911E70F6-B1BE-4ECD-ADA6-DE9E2D657FBF}" type="datetime1">
               <a:rPr lang="en-US" smtClean="0"/>
-              <a:t>3/25/2019</a:t>
+              <a:t>4/1/2019</a:t>
             </a:fld>
             <a:endParaRPr lang="en-US" dirty="0"/>
           </a:p>
@@ -6819,7 +6820,7 @@
             </a:pPr>
             <a:fld id="{59D81A63-3DF6-42AC-9DAF-340B894A6849}" type="datetime1">
               <a:rPr lang="en-US" smtClean="0"/>
-              <a:t>3/25/2019</a:t>
+              <a:t>4/1/2019</a:t>
             </a:fld>
             <a:endParaRPr lang="en-US" dirty="0"/>
           </a:p>
@@ -6959,7 +6960,7 @@
             </a:pPr>
             <a:fld id="{7C8AA781-4D55-43F6-9400-1B5B6CC85446}" type="datetime1">
               <a:rPr lang="en-US" smtClean="0"/>
-              <a:t>3/25/2019</a:t>
+              <a:t>4/1/2019</a:t>
             </a:fld>
             <a:endParaRPr lang="en-US" dirty="0"/>
           </a:p>
@@ -8684,7 +8685,7 @@
             </a:pPr>
             <a:fld id="{2B9B2E5C-CEBB-4D85-BDCD-3D8B27667FB1}" type="datetime1">
               <a:rPr lang="en-US" smtClean="0"/>
-              <a:t>3/25/2019</a:t>
+              <a:t>4/1/2019</a:t>
             </a:fld>
             <a:endParaRPr lang="en-US" dirty="0"/>
           </a:p>
@@ -8795,7 +8796,7 @@
             </a:pPr>
             <a:fld id="{2EC8BBED-EE59-4D06-AD65-0F75E468FCDB}" type="datetime1">
               <a:rPr lang="en-US" smtClean="0"/>
-              <a:t>3/25/2019</a:t>
+              <a:t>4/1/2019</a:t>
             </a:fld>
             <a:endParaRPr lang="en-US" dirty="0"/>
           </a:p>
@@ -8998,7 +8999,7 @@
             </a:pPr>
             <a:fld id="{13FEFBCB-3EEF-4005-B302-2FEA2968CD76}" type="datetime1">
               <a:rPr lang="en-US" smtClean="0"/>
-              <a:t>3/25/2019</a:t>
+              <a:t>4/1/2019</a:t>
             </a:fld>
             <a:endParaRPr lang="en-US" dirty="0"/>
           </a:p>
@@ -9133,7 +9134,7 @@
             </a:pPr>
             <a:fld id="{B2123713-AFAF-4EF9-9B7C-DBDBE1D9F167}" type="datetime1">
               <a:rPr lang="en-US" smtClean="0"/>
-              <a:t>3/25/2019</a:t>
+              <a:t>4/1/2019</a:t>
             </a:fld>
             <a:endParaRPr lang="en-US" dirty="0"/>
           </a:p>
@@ -9244,7 +9245,7 @@
             </a:pPr>
             <a:fld id="{424EC9CB-B1E9-4027-952B-695C6DB09976}" type="datetime1">
               <a:rPr lang="en-US" smtClean="0"/>
-              <a:t>3/25/2019</a:t>
+              <a:t>4/1/2019</a:t>
             </a:fld>
             <a:endParaRPr lang="en-US" dirty="0"/>
           </a:p>
@@ -9398,7 +9399,7 @@
             </a:pPr>
             <a:fld id="{7577624E-8283-4FFE-ADC2-A68EF1F0FA37}" type="datetime1">
               <a:rPr lang="en-US" smtClean="0"/>
-              <a:t>3/25/2019</a:t>
+              <a:t>4/1/2019</a:t>
             </a:fld>
             <a:endParaRPr lang="en-US" dirty="0"/>
           </a:p>
@@ -9535,7 +9536,7 @@
             </a:pPr>
             <a:fld id="{86ADF08A-4494-4851-B72A-ECFB3B844C58}" type="datetime1">
               <a:rPr lang="en-US" smtClean="0"/>
-              <a:t>3/25/2019</a:t>
+              <a:t>4/1/2019</a:t>
             </a:fld>
             <a:endParaRPr lang="en-US" dirty="0"/>
           </a:p>
@@ -9672,7 +9673,7 @@
             </a:pPr>
             <a:fld id="{17F6BF50-ADEF-4165-B3B1-C6F8863CB4FA}" type="datetime1">
               <a:rPr lang="en-US" smtClean="0"/>
-              <a:t>3/25/2019</a:t>
+              <a:t>4/1/2019</a:t>
             </a:fld>
             <a:endParaRPr lang="en-US" dirty="0"/>
           </a:p>
@@ -9840,7 +9841,7 @@
             </a:pPr>
             <a:fld id="{B416AF93-8380-4CD4-86C5-0C8CFE2DD5FE}" type="datetime1">
               <a:rPr lang="en-US" smtClean="0"/>
-              <a:t>3/25/2019</a:t>
+              <a:t>4/1/2019</a:t>
             </a:fld>
             <a:endParaRPr lang="en-US" dirty="0"/>
           </a:p>
@@ -9951,7 +9952,7 @@
             </a:pPr>
             <a:r>
               <a:rPr lang="en-US" sz="2400" dirty="0"/>
-              <a:t>You need to prompt the use to talk about the system by suggesting requirements rather than simply asking them what they want.</a:t>
+              <a:t>You need to prompt the user to talk about the system by suggesting requirements rather than simply asking them what they want.</a:t>
             </a:r>
           </a:p>
         </p:txBody>
@@ -9976,7 +9977,7 @@
             </a:pPr>
             <a:fld id="{A4C24673-1C05-46A5-968F-B35D0DF90CE3}" type="datetime1">
               <a:rPr lang="en-US" smtClean="0"/>
-              <a:t>3/25/2019</a:t>
+              <a:t>4/1/2019</a:t>
             </a:fld>
             <a:endParaRPr lang="en-US" dirty="0"/>
           </a:p>
@@ -10173,7 +10174,7 @@
             </a:pPr>
             <a:fld id="{CF874CD7-0AA6-496F-87B1-F53F3505E292}" type="datetime1">
               <a:rPr lang="en-US" smtClean="0"/>
-              <a:t>3/25/2019</a:t>
+              <a:t>4/1/2019</a:t>
             </a:fld>
             <a:endParaRPr lang="en-US" dirty="0"/>
           </a:p>
@@ -10288,7 +10289,7 @@
             </a:pPr>
             <a:fld id="{FD1F596B-4D37-4802-8099-0DC34A9D3E0B}" type="datetime1">
               <a:rPr lang="en-US" smtClean="0"/>
-              <a:t>3/25/2019</a:t>
+              <a:t>4/1/2019</a:t>
             </a:fld>
             <a:endParaRPr lang="en-US" dirty="0"/>
           </a:p>
@@ -10488,7 +10489,7 @@
             </a:pPr>
             <a:fld id="{CCB84E34-FD34-46EC-9F99-CA8030C3E22C}" type="datetime1">
               <a:rPr lang="en-US" smtClean="0"/>
-              <a:t>3/25/2019</a:t>
+              <a:t>4/1/2019</a:t>
             </a:fld>
             <a:endParaRPr lang="en-US" dirty="0"/>
           </a:p>
@@ -10537,20 +10538,78 @@
             <p:ph type="title"/>
           </p:nvPr>
         </p:nvSpPr>
-        <p:spPr>
-          <a:xfrm>
-            <a:off x="457200" y="2276872"/>
-            <a:ext cx="8229600" cy="1143000"/>
-          </a:xfrm>
-        </p:spPr>
-        <p:txBody>
-          <a:bodyPr/>
-          <a:lstStyle/>
-          <a:p>
-            <a:pPr algn="ctr"/>
+        <p:spPr/>
+        <p:txBody>
+          <a:bodyPr/>
+          <a:lstStyle/>
+          <a:p>
             <a:r>
               <a:rPr lang="en-US" dirty="0"/>
-              <a:t>Requirements specification</a:t>
+              <a:t>Example Scenario</a:t>
+            </a:r>
+          </a:p>
+        </p:txBody>
+      </p:sp>
+      <p:sp>
+        <p:nvSpPr>
+          <p:cNvPr id="3" name="Content Placeholder 2"/>
+          <p:cNvSpPr>
+            <a:spLocks noGrp="1"/>
+          </p:cNvSpPr>
+          <p:nvPr>
+            <p:ph idx="1"/>
+          </p:nvPr>
+        </p:nvSpPr>
+        <p:spPr/>
+        <p:txBody>
+          <a:bodyPr/>
+          <a:lstStyle/>
+          <a:p>
+            <a:r>
+              <a:rPr lang="en-US" dirty="0"/>
+              <a:t>Scenario: ATM banking for the week.</a:t>
+            </a:r>
+          </a:p>
+          <a:p>
+            <a:pPr lvl="1"/>
+            <a:r>
+              <a:rPr lang="en-US" dirty="0"/>
+              <a:t>Sally Jones places her bank card into the ATM.</a:t>
+            </a:r>
+          </a:p>
+          <a:p>
+            <a:pPr lvl="1"/>
+            <a:r>
+              <a:rPr lang="en-US" dirty="0"/>
+              <a:t>Sally successfully logs into the ATM using her personal identification number.</a:t>
+            </a:r>
+          </a:p>
+          <a:p>
+            <a:pPr lvl="1"/>
+            <a:r>
+              <a:rPr lang="en-US" dirty="0"/>
+              <a:t>Sally deposits her weekly paycheck of $350 into her savings account.</a:t>
+            </a:r>
+          </a:p>
+          <a:p>
+            <a:pPr lvl="1"/>
+            <a:r>
+              <a:rPr lang="en-US" dirty="0"/>
+              <a:t>Sally pays her phone bill of $75, her electric bill of $145, her cable bill of $55, and her water bill of $85 from her savings account.</a:t>
+            </a:r>
+          </a:p>
+          <a:p>
+            <a:pPr lvl="1"/>
+            <a:r>
+              <a:rPr lang="en-US" dirty="0"/>
+              <a:t>Sally attempts to withdraw $100 from her savings account for the weekend but discovers that she has insufficient funds.</a:t>
+            </a:r>
+          </a:p>
+          <a:p>
+            <a:pPr lvl="1"/>
+            <a:r>
+              <a:rPr lang="en-US" dirty="0"/>
+              <a:t>Sally withdraws $40 and gets her card back.</a:t>
             </a:r>
           </a:p>
         </p:txBody>
@@ -10586,7 +10645,7 @@
       </p:sp>
       <p:sp>
         <p:nvSpPr>
-          <p:cNvPr id="3" name="Date Placeholder 2"/>
+          <p:cNvPr id="6" name="Date Placeholder 5"/>
           <p:cNvSpPr>
             <a:spLocks noGrp="1"/>
           </p:cNvSpPr>
@@ -10602,9 +10661,9 @@
             <a:pPr>
               <a:defRPr/>
             </a:pPr>
-            <a:fld id="{3724F9C1-5ED7-4A6A-94A7-71F023E9589E}" type="datetime1">
+            <a:fld id="{CCB84E34-FD34-46EC-9F99-CA8030C3E22C}" type="datetime1">
               <a:rPr lang="en-US" smtClean="0"/>
-              <a:t>3/25/2019</a:t>
+              <a:t>4/1/2019</a:t>
             </a:fld>
             <a:endParaRPr lang="en-US" dirty="0"/>
           </a:p>
@@ -10613,7 +10672,7 @@
     </p:spTree>
     <p:extLst>
       <p:ext uri="{BB962C8B-B14F-4D97-AF65-F5344CB8AC3E}">
-        <p14:creationId xmlns:p14="http://schemas.microsoft.com/office/powerpoint/2010/main" val="775602173"/>
+        <p14:creationId xmlns:p14="http://schemas.microsoft.com/office/powerpoint/2010/main" val="350045166"/>
       </p:ext>
     </p:extLst>
   </p:cSld>
@@ -10653,61 +10712,20 @@
             <p:ph type="title"/>
           </p:nvPr>
         </p:nvSpPr>
-        <p:spPr/>
-        <p:txBody>
-          <a:bodyPr/>
-          <a:lstStyle/>
-          <a:p>
+        <p:spPr>
+          <a:xfrm>
+            <a:off x="457200" y="2276872"/>
+            <a:ext cx="8229600" cy="1143000"/>
+          </a:xfrm>
+        </p:spPr>
+        <p:txBody>
+          <a:bodyPr/>
+          <a:lstStyle/>
+          <a:p>
+            <a:pPr algn="ctr"/>
             <a:r>
               <a:rPr lang="en-US" dirty="0"/>
               <a:t>Requirements specification</a:t>
-            </a:r>
-          </a:p>
-        </p:txBody>
-      </p:sp>
-      <p:sp>
-        <p:nvSpPr>
-          <p:cNvPr id="3" name="Content Placeholder 2"/>
-          <p:cNvSpPr>
-            <a:spLocks noGrp="1"/>
-          </p:cNvSpPr>
-          <p:nvPr>
-            <p:ph idx="1"/>
-          </p:nvPr>
-        </p:nvSpPr>
-        <p:spPr/>
-        <p:txBody>
-          <a:bodyPr/>
-          <a:lstStyle/>
-          <a:p>
-            <a:r>
-              <a:rPr lang="en-US" dirty="0"/>
-              <a:t>The process of writing down the user and system requirements in a requirements document.</a:t>
-            </a:r>
-          </a:p>
-          <a:p>
-            <a:r>
-              <a:rPr lang="en-US" dirty="0"/>
-              <a:t>User requirements have to be understandable by end-users and customers who do not have a technical background.</a:t>
-            </a:r>
-          </a:p>
-          <a:p>
-            <a:r>
-              <a:rPr lang="en-US" dirty="0"/>
-              <a:t>System requirements are more detailed requirements and may include more technical information.</a:t>
-            </a:r>
-          </a:p>
-          <a:p>
-            <a:r>
-              <a:rPr lang="en-US" dirty="0"/>
-              <a:t>The requirements may be part of a contract for the system development</a:t>
-            </a:r>
-          </a:p>
-          <a:p>
-            <a:pPr lvl="1"/>
-            <a:r>
-              <a:rPr lang="en-US" dirty="0"/>
-              <a:t>It is therefore important that these are as complete as possible.</a:t>
             </a:r>
           </a:p>
         </p:txBody>
@@ -10743,7 +10761,7 @@
       </p:sp>
       <p:sp>
         <p:nvSpPr>
-          <p:cNvPr id="6" name="Date Placeholder 5"/>
+          <p:cNvPr id="3" name="Date Placeholder 2"/>
           <p:cNvSpPr>
             <a:spLocks noGrp="1"/>
           </p:cNvSpPr>
@@ -10759,9 +10777,9 @@
             <a:pPr>
               <a:defRPr/>
             </a:pPr>
-            <a:fld id="{A42BA3F9-033D-4C82-B249-F419380CAF26}" type="datetime1">
+            <a:fld id="{3724F9C1-5ED7-4A6A-94A7-71F023E9589E}" type="datetime1">
               <a:rPr lang="en-US" smtClean="0"/>
-              <a:t>3/25/2019</a:t>
+              <a:t>4/1/2019</a:t>
             </a:fld>
             <a:endParaRPr lang="en-US" dirty="0"/>
           </a:p>
@@ -10770,7 +10788,7 @@
     </p:spTree>
     <p:extLst>
       <p:ext uri="{BB962C8B-B14F-4D97-AF65-F5344CB8AC3E}">
-        <p14:creationId xmlns:p14="http://schemas.microsoft.com/office/powerpoint/2010/main" val="1673504293"/>
+        <p14:creationId xmlns:p14="http://schemas.microsoft.com/office/powerpoint/2010/main" val="775602173"/>
       </p:ext>
     </p:extLst>
   </p:cSld>
@@ -10802,7 +10820,7 @@
       </p:grpSpPr>
       <p:sp>
         <p:nvSpPr>
-          <p:cNvPr id="25602" name="Title 1"/>
+          <p:cNvPr id="2" name="Title 1"/>
           <p:cNvSpPr>
             <a:spLocks noGrp="1"/>
           </p:cNvSpPr>
@@ -10815,17 +10833,63 @@
           <a:bodyPr/>
           <a:lstStyle/>
           <a:p>
-            <a:pPr eaLnBrk="1" hangingPunct="1"/>
             <a:r>
               <a:rPr lang="en-US" dirty="0"/>
-              <a:t>Ways of writing a system requirements specification </a:t>
-            </a:r>
-          </a:p>
-        </p:txBody>
-      </p:sp>
-      <p:sp>
-        <p:nvSpPr>
-          <p:cNvPr id="4" name="Slide Number Placeholder 3"/>
+              <a:t>Requirements specification</a:t>
+            </a:r>
+          </a:p>
+        </p:txBody>
+      </p:sp>
+      <p:sp>
+        <p:nvSpPr>
+          <p:cNvPr id="3" name="Content Placeholder 2"/>
+          <p:cNvSpPr>
+            <a:spLocks noGrp="1"/>
+          </p:cNvSpPr>
+          <p:nvPr>
+            <p:ph idx="1"/>
+          </p:nvPr>
+        </p:nvSpPr>
+        <p:spPr/>
+        <p:txBody>
+          <a:bodyPr/>
+          <a:lstStyle/>
+          <a:p>
+            <a:r>
+              <a:rPr lang="en-US" dirty="0"/>
+              <a:t>The process of writing down the user and system requirements in a requirements document.</a:t>
+            </a:r>
+          </a:p>
+          <a:p>
+            <a:r>
+              <a:rPr lang="en-US" dirty="0"/>
+              <a:t>User requirements have to be understandable by end-users and customers who do not have a technical background.</a:t>
+            </a:r>
+          </a:p>
+          <a:p>
+            <a:r>
+              <a:rPr lang="en-US" dirty="0"/>
+              <a:t>System requirements are more detailed requirements and may include more technical information.</a:t>
+            </a:r>
+          </a:p>
+          <a:p>
+            <a:r>
+              <a:rPr lang="en-US" dirty="0"/>
+              <a:t>The requirements may be part of a contract for the system development</a:t>
+            </a:r>
+          </a:p>
+          <a:p>
+            <a:pPr lvl="1"/>
+            <a:r>
+              <a:rPr lang="en-US" dirty="0"/>
+              <a:t>It is therefore important that these are as complete as possible.</a:t>
+            </a:r>
+          </a:p>
+        </p:txBody>
+      </p:sp>
+      <p:sp>
+        <p:nvSpPr>
+          <p:cNvPr id="5" name="Slide Number Placeholder 4"/>
           <p:cNvSpPr>
             <a:spLocks noGrp="1"/>
           </p:cNvSpPr>
@@ -10852,6 +10916,117 @@
           </a:p>
         </p:txBody>
       </p:sp>
+      <p:sp>
+        <p:nvSpPr>
+          <p:cNvPr id="6" name="Date Placeholder 5"/>
+          <p:cNvSpPr>
+            <a:spLocks noGrp="1"/>
+          </p:cNvSpPr>
+          <p:nvPr>
+            <p:ph type="dt" sz="half" idx="10"/>
+          </p:nvPr>
+        </p:nvSpPr>
+        <p:spPr/>
+        <p:txBody>
+          <a:bodyPr/>
+          <a:lstStyle/>
+          <a:p>
+            <a:pPr>
+              <a:defRPr/>
+            </a:pPr>
+            <a:fld id="{A42BA3F9-033D-4C82-B249-F419380CAF26}" type="datetime1">
+              <a:rPr lang="en-US" smtClean="0"/>
+              <a:t>4/1/2019</a:t>
+            </a:fld>
+            <a:endParaRPr lang="en-US" dirty="0"/>
+          </a:p>
+        </p:txBody>
+      </p:sp>
+    </p:spTree>
+    <p:extLst>
+      <p:ext uri="{BB962C8B-B14F-4D97-AF65-F5344CB8AC3E}">
+        <p14:creationId xmlns:p14="http://schemas.microsoft.com/office/powerpoint/2010/main" val="1673504293"/>
+      </p:ext>
+    </p:extLst>
+  </p:cSld>
+  <p:clrMapOvr>
+    <a:masterClrMapping/>
+  </p:clrMapOvr>
+  <p:transition spd="med">
+    <p:wipe dir="r"/>
+  </p:transition>
+</p:sld>
+</file>
+
+<file path=ppt/slides/slide39.xml><?xml version="1.0" encoding="utf-8"?>
+<p:sld xmlns:a="http://schemas.openxmlformats.org/drawingml/2006/main" xmlns:r="http://schemas.openxmlformats.org/officeDocument/2006/relationships" xmlns:p="http://schemas.openxmlformats.org/presentationml/2006/main">
+  <p:cSld>
+    <p:spTree>
+      <p:nvGrpSpPr>
+        <p:cNvPr id="1" name=""/>
+        <p:cNvGrpSpPr/>
+        <p:nvPr/>
+      </p:nvGrpSpPr>
+      <p:grpSpPr>
+        <a:xfrm>
+          <a:off x="0" y="0"/>
+          <a:ext cx="0" cy="0"/>
+          <a:chOff x="0" y="0"/>
+          <a:chExt cx="0" cy="0"/>
+        </a:xfrm>
+      </p:grpSpPr>
+      <p:sp>
+        <p:nvSpPr>
+          <p:cNvPr id="25602" name="Title 1"/>
+          <p:cNvSpPr>
+            <a:spLocks noGrp="1"/>
+          </p:cNvSpPr>
+          <p:nvPr>
+            <p:ph type="title"/>
+          </p:nvPr>
+        </p:nvSpPr>
+        <p:spPr/>
+        <p:txBody>
+          <a:bodyPr/>
+          <a:lstStyle/>
+          <a:p>
+            <a:pPr eaLnBrk="1" hangingPunct="1"/>
+            <a:r>
+              <a:rPr lang="en-US" dirty="0"/>
+              <a:t>Ways of writing a system requirements specification </a:t>
+            </a:r>
+          </a:p>
+        </p:txBody>
+      </p:sp>
+      <p:sp>
+        <p:nvSpPr>
+          <p:cNvPr id="4" name="Slide Number Placeholder 3"/>
+          <p:cNvSpPr>
+            <a:spLocks noGrp="1"/>
+          </p:cNvSpPr>
+          <p:nvPr>
+            <p:ph type="sldNum" sz="quarter" idx="12"/>
+          </p:nvPr>
+        </p:nvSpPr>
+        <p:spPr/>
+        <p:txBody>
+          <a:bodyPr/>
+          <a:lstStyle/>
+          <a:p>
+            <a:pPr>
+              <a:defRPr/>
+            </a:pPr>
+            <a:fld id="{825F70CE-84E9-D04C-9B15-10C693AA0F2A}" type="slidenum">
+              <a:rPr lang="en-US" smtClean="0"/>
+              <a:pPr>
+                <a:defRPr/>
+              </a:pPr>
+              <a:t>39</a:t>
+            </a:fld>
+            <a:endParaRPr lang="en-US"/>
+          </a:p>
+        </p:txBody>
+      </p:sp>
       <p:graphicFrame>
         <p:nvGraphicFramePr>
           <p:cNvPr id="5" name="Table 4"/>
@@ -10861,14 +11036,14 @@
           <p:nvPr>
             <p:extLst>
               <p:ext uri="{D42A27DB-BD31-4B8C-83A1-F6EECF244321}">
-                <p14:modId xmlns:p14="http://schemas.microsoft.com/office/powerpoint/2010/main" val="3203344136"/>
+                <p14:modId xmlns:p14="http://schemas.microsoft.com/office/powerpoint/2010/main" val="2630737683"/>
               </p:ext>
             </p:extLst>
           </p:nvPr>
         </p:nvGraphicFramePr>
         <p:xfrm>
           <a:off x="685800" y="1595479"/>
-          <a:ext cx="7924800" cy="4805322"/>
+          <a:ext cx="7924800" cy="3823308"/>
         </p:xfrm>
         <a:graphic>
           <a:graphicData uri="http://schemas.openxmlformats.org/drawingml/2006/table">
@@ -11381,7 +11556,7 @@
                           <a:ea typeface="Times New Roman" charset="0"/>
                           <a:cs typeface="Arial"/>
                         </a:rPr>
-                        <a:t>The requirements are written in natural language on a standard form or template. Each field provides information about an aspect of the requirement.</a:t>
+                        <a:t>The requirements are written in natural language on a standard form or template. Each field provides information about an aspect of the requirement. (e.g. use case specification)</a:t>
                       </a:r>
                     </a:p>
                   </a:txBody>
@@ -11439,7 +11614,7 @@
                   </a:ext>
                 </a:extLst>
               </a:tr>
-              <a:tr h="982014">
+              <a:tr h="627845">
                 <a:tc>
                   <a:txBody>
                     <a:bodyPr/>
@@ -11463,185 +11638,6 @@
                       </a:pPr>
                       <a:r>
                         <a:rPr kumimoji="0" lang="en-GB" sz="1400" b="0" i="0" u="none" strike="noStrike" cap="none" normalizeH="0" baseline="0" dirty="0">
-                          <a:ln>
-                            <a:noFill/>
-                          </a:ln>
-                          <a:solidFill>
-                            <a:srgbClr val="000000"/>
-                          </a:solidFill>
-                          <a:effectLst/>
-                          <a:latin typeface="Arial"/>
-                          <a:ea typeface="Times New Roman" charset="0"/>
-                          <a:cs typeface="Arial"/>
-                        </a:rPr>
-                        <a:t>Design description languages</a:t>
-                      </a:r>
-                    </a:p>
-                  </a:txBody>
-                  <a:tcPr marL="73025" marR="73025" marT="0" marB="91440" horzOverflow="overflow">
-                    <a:lnL w="12700" cap="flat" cmpd="sng" algn="ctr">
-                      <a:solidFill>
-                        <a:schemeClr val="bg1"/>
-                      </a:solidFill>
-                      <a:prstDash val="solid"/>
-                      <a:round/>
-                      <a:headEnd type="none" w="med" len="med"/>
-                      <a:tailEnd type="none" w="med" len="med"/>
-                    </a:lnL>
-                    <a:lnR w="12700" cap="flat" cmpd="sng" algn="ctr">
-                      <a:solidFill>
-                        <a:schemeClr val="bg1"/>
-                      </a:solidFill>
-                      <a:prstDash val="solid"/>
-                      <a:round/>
-                      <a:headEnd type="none" w="med" len="med"/>
-                      <a:tailEnd type="none" w="med" len="med"/>
-                    </a:lnR>
-                    <a:lnT w="12700" cap="flat" cmpd="sng" algn="ctr">
-                      <a:solidFill>
-                        <a:schemeClr val="bg1"/>
-                      </a:solidFill>
-                      <a:prstDash val="solid"/>
-                      <a:round/>
-                      <a:headEnd type="none" w="med" len="med"/>
-                      <a:tailEnd type="none" w="med" len="med"/>
-                    </a:lnT>
-                    <a:lnB w="12700" cap="flat" cmpd="sng" algn="ctr">
-                      <a:solidFill>
-                        <a:schemeClr val="bg1"/>
-                      </a:solidFill>
-                      <a:prstDash val="solid"/>
-                      <a:round/>
-                      <a:headEnd type="none" w="med" len="med"/>
-                      <a:tailEnd type="none" w="med" len="med"/>
-                    </a:lnB>
-                    <a:lnTlToBr>
-                      <a:noFill/>
-                    </a:lnTlToBr>
-                    <a:lnBlToTr>
-                      <a:noFill/>
-                    </a:lnBlToTr>
-                    <a:solidFill>
-                      <a:srgbClr val="D0D8E8"/>
-                    </a:solidFill>
-                  </a:tcPr>
-                </a:tc>
-                <a:tc>
-                  <a:txBody>
-                    <a:bodyPr/>
-                    <a:lstStyle/>
-                    <a:p>
-                      <a:pPr marL="0" marR="0" lvl="0" indent="0" algn="just" defTabSz="457200" rtl="0" eaLnBrk="1" fontAlgn="base" latinLnBrk="0" hangingPunct="1">
-                        <a:lnSpc>
-                          <a:spcPct val="100000"/>
-                        </a:lnSpc>
-                        <a:spcBef>
-                          <a:spcPct val="0"/>
-                        </a:spcBef>
-                        <a:spcAft>
-                          <a:spcPct val="0"/>
-                        </a:spcAft>
-                        <a:buClrTx/>
-                        <a:buSzTx/>
-                        <a:buFontTx/>
-                        <a:buNone/>
-                        <a:tabLst/>
-                      </a:pPr>
-                      <a:r>
-                        <a:rPr kumimoji="0" lang="en-GB" sz="1400" b="0" i="0" u="none" strike="noStrike" cap="none" normalizeH="0" baseline="0" dirty="0">
-                          <a:ln>
-                            <a:noFill/>
-                          </a:ln>
-                          <a:solidFill>
-                            <a:srgbClr val="000000"/>
-                          </a:solidFill>
-                          <a:effectLst/>
-                          <a:latin typeface="Arial"/>
-                          <a:ea typeface="Times New Roman" charset="0"/>
-                          <a:cs typeface="Arial"/>
-                        </a:rPr>
-                        <a:t>This approach uses a language like a programming language, but with more abstract features to specify the requirements by defining an operational model of the system. This approach is now rarely used although it can be useful for interface specifications.</a:t>
-                      </a:r>
-                    </a:p>
-                  </a:txBody>
-                  <a:tcPr marL="73025" marR="73025" marT="0" marB="91440" horzOverflow="overflow">
-                    <a:lnL w="12700" cap="flat" cmpd="sng" algn="ctr">
-                      <a:solidFill>
-                        <a:schemeClr val="bg1"/>
-                      </a:solidFill>
-                      <a:prstDash val="solid"/>
-                      <a:round/>
-                      <a:headEnd type="none" w="med" len="med"/>
-                      <a:tailEnd type="none" w="med" len="med"/>
-                    </a:lnL>
-                    <a:lnR w="12700" cap="flat" cmpd="sng" algn="ctr">
-                      <a:solidFill>
-                        <a:schemeClr val="bg1"/>
-                      </a:solidFill>
-                      <a:prstDash val="solid"/>
-                      <a:round/>
-                      <a:headEnd type="none" w="med" len="med"/>
-                      <a:tailEnd type="none" w="med" len="med"/>
-                    </a:lnR>
-                    <a:lnT w="12700" cap="flat" cmpd="sng" algn="ctr">
-                      <a:solidFill>
-                        <a:schemeClr val="bg1"/>
-                      </a:solidFill>
-                      <a:prstDash val="solid"/>
-                      <a:round/>
-                      <a:headEnd type="none" w="med" len="med"/>
-                      <a:tailEnd type="none" w="med" len="med"/>
-                    </a:lnT>
-                    <a:lnB w="12700" cap="flat" cmpd="sng" algn="ctr">
-                      <a:solidFill>
-                        <a:schemeClr val="bg1"/>
-                      </a:solidFill>
-                      <a:prstDash val="solid"/>
-                      <a:round/>
-                      <a:headEnd type="none" w="med" len="med"/>
-                      <a:tailEnd type="none" w="med" len="med"/>
-                    </a:lnB>
-                    <a:lnTlToBr>
-                      <a:noFill/>
-                    </a:lnTlToBr>
-                    <a:lnBlToTr>
-                      <a:noFill/>
-                    </a:lnBlToTr>
-                    <a:solidFill>
-                      <a:srgbClr val="D0D8E8"/>
-                    </a:solidFill>
-                  </a:tcPr>
-                </a:tc>
-                <a:extLst>
-                  <a:ext uri="{0D108BD9-81ED-4DB2-BD59-A6C34878D82A}">
-                    <a16:rowId xmlns:a16="http://schemas.microsoft.com/office/drawing/2014/main" val="10003"/>
-                  </a:ext>
-                </a:extLst>
-              </a:tr>
-              <a:tr h="627845">
-                <a:tc>
-                  <a:txBody>
-                    <a:bodyPr/>
-                    <a:lstStyle/>
-                    <a:p>
-                      <a:pPr marL="0" marR="0" lvl="0" indent="0" algn="just" defTabSz="457200" rtl="0" eaLnBrk="1" fontAlgn="base" latinLnBrk="0" hangingPunct="1">
-                        <a:lnSpc>
-                          <a:spcPct val="100000"/>
-                        </a:lnSpc>
-                        <a:spcBef>
-                          <a:spcPct val="0"/>
-                        </a:spcBef>
-                        <a:spcAft>
-                          <a:spcPct val="0"/>
-                        </a:spcAft>
-                        <a:buClrTx/>
-                        <a:buSzTx/>
-                        <a:buFontTx/>
-                        <a:buNone/>
-                        <a:tabLst/>
-                      </a:pPr>
-                      <a:r>
-                        <a:rPr kumimoji="0" lang="en-GB" sz="1400" b="0" i="0" u="none" strike="noStrike" cap="none" normalizeH="0" baseline="0">
                           <a:ln>
                             <a:noFill/>
                           </a:ln>
@@ -12000,7 +11996,7 @@
             </a:pPr>
             <a:fld id="{D959B312-FD7B-4595-85AE-2F2625C64773}" type="datetime1">
               <a:rPr lang="en-US" smtClean="0"/>
-              <a:t>3/25/2019</a:t>
+              <a:t>4/1/2019</a:t>
             </a:fld>
             <a:endParaRPr lang="en-US" dirty="0"/>
           </a:p>
@@ -12022,7 +12018,7 @@
 </p:sld>
 </file>
 
-<file path=ppt/slides/slide39.xml><?xml version="1.0" encoding="utf-8"?>
+<file path=ppt/slides/slide4.xml><?xml version="1.0" encoding="utf-8"?>
 <p:sld xmlns:a="http://schemas.openxmlformats.org/drawingml/2006/main" xmlns:r="http://schemas.openxmlformats.org/officeDocument/2006/relationships" xmlns:p="http://schemas.openxmlformats.org/presentationml/2006/main">
   <p:cSld>
     <p:spTree>
@@ -12041,29 +12037,89 @@
       </p:grpSpPr>
       <p:sp>
         <p:nvSpPr>
-          <p:cNvPr id="27651" name="Title 1"/>
-          <p:cNvSpPr>
-            <a:spLocks noGrp="1"/>
+          <p:cNvPr id="8194" name="Rectangle 2"/>
+          <p:cNvSpPr>
+            <a:spLocks noGrp="1" noChangeArrowheads="1"/>
           </p:cNvSpPr>
           <p:nvPr>
             <p:ph type="title"/>
           </p:nvPr>
         </p:nvSpPr>
-        <p:spPr/>
-        <p:txBody>
-          <a:bodyPr/>
-          <a:lstStyle/>
-          <a:p>
-            <a:pPr eaLnBrk="1" hangingPunct="1"/>
-            <a:r>
-              <a:rPr lang="en-US" dirty="0"/>
-              <a:t>A structured specification of a requirement for an insulin pump</a:t>
-            </a:r>
+        <p:spPr>
+          <a:noFill/>
+          <a:ln/>
+        </p:spPr>
+        <p:txBody>
+          <a:bodyPr lIns="90487" tIns="44450" rIns="90487" bIns="44450"/>
+          <a:lstStyle/>
+          <a:p>
+            <a:r>
+              <a:rPr lang="en-GB"/>
+              <a:t>What is a requirement?</a:t>
+            </a:r>
+          </a:p>
+        </p:txBody>
+      </p:sp>
+      <p:sp>
+        <p:nvSpPr>
+          <p:cNvPr id="8195" name="Rectangle 3"/>
+          <p:cNvSpPr>
+            <a:spLocks noGrp="1" noChangeArrowheads="1"/>
+          </p:cNvSpPr>
+          <p:nvPr>
+            <p:ph idx="1"/>
+          </p:nvPr>
+        </p:nvSpPr>
+        <p:spPr>
+          <a:noFill/>
+          <a:ln/>
+        </p:spPr>
+        <p:txBody>
+          <a:bodyPr lIns="90487" tIns="44450" rIns="90487" bIns="44450"/>
+          <a:lstStyle/>
+          <a:p>
+            <a:pPr>
+              <a:lnSpc>
+                <a:spcPct val="90000"/>
+              </a:lnSpc>
+            </a:pPr>
             <a:r>
               <a:rPr lang="en-GB" dirty="0"/>
-              <a:t> </a:t>
-            </a:r>
-            <a:endParaRPr lang="en-US" dirty="0"/>
+              <a:t>It may range from a high-level abstract statement of a service or of a system constraint to a detailed mathematical functional specification.</a:t>
+            </a:r>
+          </a:p>
+          <a:p>
+            <a:pPr>
+              <a:lnSpc>
+                <a:spcPct val="90000"/>
+              </a:lnSpc>
+            </a:pPr>
+            <a:r>
+              <a:rPr lang="en-GB" dirty="0"/>
+              <a:t>Requirements may serve a dual function</a:t>
+            </a:r>
+          </a:p>
+          <a:p>
+            <a:pPr lvl="1">
+              <a:lnSpc>
+                <a:spcPct val="90000"/>
+              </a:lnSpc>
+            </a:pPr>
+            <a:r>
+              <a:rPr lang="en-GB" dirty="0"/>
+              <a:t>May be the basis for a bid for a contract.</a:t>
+            </a:r>
+          </a:p>
+          <a:p>
+            <a:pPr lvl="1">
+              <a:lnSpc>
+                <a:spcPct val="90000"/>
+              </a:lnSpc>
+            </a:pPr>
+            <a:r>
+              <a:rPr lang="en-GB" dirty="0"/>
+              <a:t>May be the basis for the contract itself.</a:t>
+            </a:r>
           </a:p>
         </p:txBody>
       </p:sp>
@@ -12090,7 +12146,116 @@
               <a:pPr>
                 <a:defRPr/>
               </a:pPr>
-              <a:t>39</a:t>
+              <a:t>4</a:t>
+            </a:fld>
+            <a:endParaRPr lang="en-US"/>
+          </a:p>
+        </p:txBody>
+      </p:sp>
+      <p:sp>
+        <p:nvSpPr>
+          <p:cNvPr id="2" name="Date Placeholder 1"/>
+          <p:cNvSpPr>
+            <a:spLocks noGrp="1"/>
+          </p:cNvSpPr>
+          <p:nvPr>
+            <p:ph type="dt" sz="half" idx="10"/>
+          </p:nvPr>
+        </p:nvSpPr>
+        <p:spPr/>
+        <p:txBody>
+          <a:bodyPr/>
+          <a:lstStyle/>
+          <a:p>
+            <a:pPr>
+              <a:defRPr/>
+            </a:pPr>
+            <a:fld id="{B26CBE43-5D17-4DF9-889B-2D94B198F51F}" type="datetime1">
+              <a:rPr lang="en-US" smtClean="0"/>
+              <a:t>4/1/2019</a:t>
+            </a:fld>
+            <a:endParaRPr lang="en-US" dirty="0"/>
+          </a:p>
+        </p:txBody>
+      </p:sp>
+    </p:spTree>
+  </p:cSld>
+  <p:clrMapOvr>
+    <a:masterClrMapping/>
+  </p:clrMapOvr>
+  <p:transition/>
+</p:sld>
+</file>
+
+<file path=ppt/slides/slide40.xml><?xml version="1.0" encoding="utf-8"?>
+<p:sld xmlns:a="http://schemas.openxmlformats.org/drawingml/2006/main" xmlns:r="http://schemas.openxmlformats.org/officeDocument/2006/relationships" xmlns:p="http://schemas.openxmlformats.org/presentationml/2006/main">
+  <p:cSld>
+    <p:spTree>
+      <p:nvGrpSpPr>
+        <p:cNvPr id="1" name=""/>
+        <p:cNvGrpSpPr/>
+        <p:nvPr/>
+      </p:nvGrpSpPr>
+      <p:grpSpPr>
+        <a:xfrm>
+          <a:off x="0" y="0"/>
+          <a:ext cx="0" cy="0"/>
+          <a:chOff x="0" y="0"/>
+          <a:chExt cx="0" cy="0"/>
+        </a:xfrm>
+      </p:grpSpPr>
+      <p:sp>
+        <p:nvSpPr>
+          <p:cNvPr id="27651" name="Title 1"/>
+          <p:cNvSpPr>
+            <a:spLocks noGrp="1"/>
+          </p:cNvSpPr>
+          <p:nvPr>
+            <p:ph type="title"/>
+          </p:nvPr>
+        </p:nvSpPr>
+        <p:spPr/>
+        <p:txBody>
+          <a:bodyPr/>
+          <a:lstStyle/>
+          <a:p>
+            <a:pPr eaLnBrk="1" hangingPunct="1"/>
+            <a:r>
+              <a:rPr lang="en-US" dirty="0"/>
+              <a:t>A structured specification of a requirement for an insulin pump</a:t>
+            </a:r>
+            <a:r>
+              <a:rPr lang="en-GB" dirty="0"/>
+              <a:t> </a:t>
+            </a:r>
+            <a:endParaRPr lang="en-US" dirty="0"/>
+          </a:p>
+        </p:txBody>
+      </p:sp>
+      <p:sp>
+        <p:nvSpPr>
+          <p:cNvPr id="4" name="Slide Number Placeholder 3"/>
+          <p:cNvSpPr>
+            <a:spLocks noGrp="1"/>
+          </p:cNvSpPr>
+          <p:nvPr>
+            <p:ph type="sldNum" sz="quarter" idx="12"/>
+          </p:nvPr>
+        </p:nvSpPr>
+        <p:spPr/>
+        <p:txBody>
+          <a:bodyPr/>
+          <a:lstStyle/>
+          <a:p>
+            <a:pPr>
+              <a:defRPr/>
+            </a:pPr>
+            <a:fld id="{825F70CE-84E9-D04C-9B15-10C693AA0F2A}" type="slidenum">
+              <a:rPr lang="en-US" smtClean="0"/>
+              <a:pPr>
+                <a:defRPr/>
+              </a:pPr>
+              <a:t>40</a:t>
             </a:fld>
             <a:endParaRPr lang="en-US"/>
           </a:p>
@@ -12112,7 +12277,7 @@
           <a:graphicData uri="http://schemas.openxmlformats.org/presentationml/2006/ole">
             <mc:AlternateContent xmlns:mc="http://schemas.openxmlformats.org/markup-compatibility/2006">
               <mc:Choice xmlns:v="urn:schemas-microsoft-com:vml" Requires="v">
-                <p:oleObj spid="_x0000_s1044" name="Document" r:id="rId3" imgW="5943600" imgH="3314700" progId="Word.Document.12">
+                <p:oleObj spid="_x0000_s1045" name="Document" r:id="rId3" imgW="5943600" imgH="3314700" progId="Word.Document.12">
                   <p:embed/>
                 </p:oleObj>
               </mc:Choice>
@@ -12154,14 +12319,14 @@
                       </a:ln>
                       <a:extLst>
                         <a:ext uri="{909E8E84-426E-40dd-AFC4-6F175D3DCCD1}">
-                          <a14:hiddenFill xmlns="" xmlns:a14="http://schemas.microsoft.com/office/drawing/2010/main">
+                          <a14:hiddenFill xmlns:a14="http://schemas.microsoft.com/office/drawing/2010/main" xmlns="">
                             <a:solidFill>
                               <a:schemeClr val="accent1"/>
                             </a:solidFill>
                           </a14:hiddenFill>
                         </a:ext>
                         <a:ext uri="{91240B29-F687-4f45-9708-019B960494DF}">
-                          <a14:hiddenLine xmlns="" xmlns:a14="http://schemas.microsoft.com/office/drawing/2010/main" w="9525">
+                          <a14:hiddenLine xmlns:a14="http://schemas.microsoft.com/office/drawing/2010/main" xmlns="" w="9525">
                             <a:solidFill>
                               <a:schemeClr val="tx1"/>
                             </a:solidFill>
@@ -12199,7 +12364,7 @@
             </a:pPr>
             <a:fld id="{08CF8034-214B-4B5D-A812-D208F95BC2C7}" type="datetime1">
               <a:rPr lang="en-US" smtClean="0"/>
-              <a:t>3/25/2019</a:t>
+              <a:t>4/1/2019</a:t>
             </a:fld>
             <a:endParaRPr lang="en-US" dirty="0"/>
           </a:p>
@@ -12221,7 +12386,7 @@
 </p:sld>
 </file>
 
-<file path=ppt/slides/slide4.xml><?xml version="1.0" encoding="utf-8"?>
+<file path=ppt/slides/slide41.xml><?xml version="1.0" encoding="utf-8"?>
 <p:sld xmlns:a="http://schemas.openxmlformats.org/drawingml/2006/main" xmlns:r="http://schemas.openxmlformats.org/officeDocument/2006/relationships" xmlns:p="http://schemas.openxmlformats.org/presentationml/2006/main">
   <p:cSld>
     <p:spTree>
@@ -12240,89 +12405,29 @@
       </p:grpSpPr>
       <p:sp>
         <p:nvSpPr>
-          <p:cNvPr id="8194" name="Rectangle 2"/>
-          <p:cNvSpPr>
-            <a:spLocks noGrp="1" noChangeArrowheads="1"/>
+          <p:cNvPr id="27651" name="Title 1"/>
+          <p:cNvSpPr>
+            <a:spLocks noGrp="1"/>
           </p:cNvSpPr>
           <p:nvPr>
             <p:ph type="title"/>
           </p:nvPr>
         </p:nvSpPr>
-        <p:spPr>
-          <a:noFill/>
-          <a:ln/>
-        </p:spPr>
-        <p:txBody>
-          <a:bodyPr lIns="90487" tIns="44450" rIns="90487" bIns="44450"/>
-          <a:lstStyle/>
-          <a:p>
-            <a:r>
-              <a:rPr lang="en-GB"/>
-              <a:t>What is a requirement?</a:t>
-            </a:r>
-          </a:p>
-        </p:txBody>
-      </p:sp>
-      <p:sp>
-        <p:nvSpPr>
-          <p:cNvPr id="8195" name="Rectangle 3"/>
-          <p:cNvSpPr>
-            <a:spLocks noGrp="1" noChangeArrowheads="1"/>
-          </p:cNvSpPr>
-          <p:nvPr>
-            <p:ph idx="1"/>
-          </p:nvPr>
-        </p:nvSpPr>
-        <p:spPr>
-          <a:noFill/>
-          <a:ln/>
-        </p:spPr>
-        <p:txBody>
-          <a:bodyPr lIns="90487" tIns="44450" rIns="90487" bIns="44450"/>
-          <a:lstStyle/>
-          <a:p>
-            <a:pPr>
-              <a:lnSpc>
-                <a:spcPct val="90000"/>
-              </a:lnSpc>
-            </a:pPr>
+        <p:spPr/>
+        <p:txBody>
+          <a:bodyPr/>
+          <a:lstStyle/>
+          <a:p>
+            <a:pPr eaLnBrk="1" hangingPunct="1"/>
+            <a:r>
+              <a:rPr lang="en-US" dirty="0"/>
+              <a:t>A structured specification of a requirement for an insulin pump</a:t>
+            </a:r>
             <a:r>
               <a:rPr lang="en-GB" dirty="0"/>
-              <a:t>It may range from a high-level abstract statement of a service or of a system constraint to a detailed mathematical functional specification.</a:t>
-            </a:r>
-          </a:p>
-          <a:p>
-            <a:pPr>
-              <a:lnSpc>
-                <a:spcPct val="90000"/>
-              </a:lnSpc>
-            </a:pPr>
-            <a:r>
-              <a:rPr lang="en-GB" dirty="0"/>
-              <a:t>Requirements may serve a dual function</a:t>
-            </a:r>
-          </a:p>
-          <a:p>
-            <a:pPr lvl="1">
-              <a:lnSpc>
-                <a:spcPct val="90000"/>
-              </a:lnSpc>
-            </a:pPr>
-            <a:r>
-              <a:rPr lang="en-GB" dirty="0"/>
-              <a:t>May be the basis for a bid for a contract.</a:t>
-            </a:r>
-          </a:p>
-          <a:p>
-            <a:pPr lvl="1">
-              <a:lnSpc>
-                <a:spcPct val="90000"/>
-              </a:lnSpc>
-            </a:pPr>
-            <a:r>
-              <a:rPr lang="en-GB" dirty="0"/>
-              <a:t>May be the basis for the contract itself.</a:t>
-            </a:r>
+              <a:t> </a:t>
+            </a:r>
+            <a:endParaRPr lang="en-US" dirty="0"/>
           </a:p>
         </p:txBody>
       </p:sp>
@@ -12349,116 +12454,7 @@
               <a:pPr>
                 <a:defRPr/>
               </a:pPr>
-              <a:t>4</a:t>
-            </a:fld>
-            <a:endParaRPr lang="en-US"/>
-          </a:p>
-        </p:txBody>
-      </p:sp>
-      <p:sp>
-        <p:nvSpPr>
-          <p:cNvPr id="2" name="Date Placeholder 1"/>
-          <p:cNvSpPr>
-            <a:spLocks noGrp="1"/>
-          </p:cNvSpPr>
-          <p:nvPr>
-            <p:ph type="dt" sz="half" idx="10"/>
-          </p:nvPr>
-        </p:nvSpPr>
-        <p:spPr/>
-        <p:txBody>
-          <a:bodyPr/>
-          <a:lstStyle/>
-          <a:p>
-            <a:pPr>
-              <a:defRPr/>
-            </a:pPr>
-            <a:fld id="{B26CBE43-5D17-4DF9-889B-2D94B198F51F}" type="datetime1">
-              <a:rPr lang="en-US" smtClean="0"/>
-              <a:t>3/25/2019</a:t>
-            </a:fld>
-            <a:endParaRPr lang="en-US" dirty="0"/>
-          </a:p>
-        </p:txBody>
-      </p:sp>
-    </p:spTree>
-  </p:cSld>
-  <p:clrMapOvr>
-    <a:masterClrMapping/>
-  </p:clrMapOvr>
-  <p:transition/>
-</p:sld>
-</file>
-
-<file path=ppt/slides/slide40.xml><?xml version="1.0" encoding="utf-8"?>
-<p:sld xmlns:a="http://schemas.openxmlformats.org/drawingml/2006/main" xmlns:r="http://schemas.openxmlformats.org/officeDocument/2006/relationships" xmlns:p="http://schemas.openxmlformats.org/presentationml/2006/main">
-  <p:cSld>
-    <p:spTree>
-      <p:nvGrpSpPr>
-        <p:cNvPr id="1" name=""/>
-        <p:cNvGrpSpPr/>
-        <p:nvPr/>
-      </p:nvGrpSpPr>
-      <p:grpSpPr>
-        <a:xfrm>
-          <a:off x="0" y="0"/>
-          <a:ext cx="0" cy="0"/>
-          <a:chOff x="0" y="0"/>
-          <a:chExt cx="0" cy="0"/>
-        </a:xfrm>
-      </p:grpSpPr>
-      <p:sp>
-        <p:nvSpPr>
-          <p:cNvPr id="27651" name="Title 1"/>
-          <p:cNvSpPr>
-            <a:spLocks noGrp="1"/>
-          </p:cNvSpPr>
-          <p:nvPr>
-            <p:ph type="title"/>
-          </p:nvPr>
-        </p:nvSpPr>
-        <p:spPr/>
-        <p:txBody>
-          <a:bodyPr/>
-          <a:lstStyle/>
-          <a:p>
-            <a:pPr eaLnBrk="1" hangingPunct="1"/>
-            <a:r>
-              <a:rPr lang="en-US" dirty="0"/>
-              <a:t>A structured specification of a requirement for an insulin pump</a:t>
-            </a:r>
-            <a:r>
-              <a:rPr lang="en-GB" dirty="0"/>
-              <a:t> </a:t>
-            </a:r>
-            <a:endParaRPr lang="en-US" dirty="0"/>
-          </a:p>
-        </p:txBody>
-      </p:sp>
-      <p:sp>
-        <p:nvSpPr>
-          <p:cNvPr id="4" name="Slide Number Placeholder 3"/>
-          <p:cNvSpPr>
-            <a:spLocks noGrp="1"/>
-          </p:cNvSpPr>
-          <p:nvPr>
-            <p:ph type="sldNum" sz="quarter" idx="12"/>
-          </p:nvPr>
-        </p:nvSpPr>
-        <p:spPr/>
-        <p:txBody>
-          <a:bodyPr/>
-          <a:lstStyle/>
-          <a:p>
-            <a:pPr>
-              <a:defRPr/>
-            </a:pPr>
-            <a:fld id="{825F70CE-84E9-D04C-9B15-10C693AA0F2A}" type="slidenum">
-              <a:rPr lang="en-US" smtClean="0"/>
-              <a:pPr>
-                <a:defRPr/>
-              </a:pPr>
-              <a:t>40</a:t>
+              <a:t>41</a:t>
             </a:fld>
             <a:endParaRPr lang="en-US"/>
           </a:p>
@@ -12480,7 +12476,7 @@
           <a:graphicData uri="http://schemas.openxmlformats.org/presentationml/2006/ole">
             <mc:AlternateContent xmlns:mc="http://schemas.openxmlformats.org/markup-compatibility/2006">
               <mc:Choice xmlns:v="urn:schemas-microsoft-com:vml" Requires="v">
-                <p:oleObj spid="_x0000_s132116" name="Document" r:id="rId3" imgW="5943600" imgH="4445000" progId="Word.Document.12">
+                <p:oleObj spid="_x0000_s132117" name="Document" r:id="rId3" imgW="5943600" imgH="4445000" progId="Word.Document.12">
                   <p:embed/>
                 </p:oleObj>
               </mc:Choice>
@@ -12522,14 +12518,14 @@
                       </a:ln>
                       <a:extLst>
                         <a:ext uri="{909E8E84-426E-40dd-AFC4-6F175D3DCCD1}">
-                          <a14:hiddenFill xmlns="" xmlns:a14="http://schemas.microsoft.com/office/drawing/2010/main">
+                          <a14:hiddenFill xmlns:a14="http://schemas.microsoft.com/office/drawing/2010/main" xmlns="">
                             <a:solidFill>
                               <a:schemeClr val="accent1"/>
                             </a:solidFill>
                           </a14:hiddenFill>
                         </a:ext>
                         <a:ext uri="{91240B29-F687-4f45-9708-019B960494DF}">
-                          <a14:hiddenLine xmlns="" xmlns:a14="http://schemas.microsoft.com/office/drawing/2010/main" w="9525">
+                          <a14:hiddenLine xmlns:a14="http://schemas.microsoft.com/office/drawing/2010/main" xmlns="" w="9525">
                             <a:solidFill>
                               <a:schemeClr val="tx1"/>
                             </a:solidFill>
@@ -12567,7 +12563,7 @@
             </a:pPr>
             <a:fld id="{835E52BE-E50C-4017-B890-64B7A5444495}" type="datetime1">
               <a:rPr lang="en-US" smtClean="0"/>
-              <a:t>3/25/2019</a:t>
+              <a:t>4/1/2019</a:t>
             </a:fld>
             <a:endParaRPr lang="en-US" dirty="0"/>
           </a:p>
@@ -12577,162 +12573,6 @@
     <p:extLst>
       <p:ext uri="{BB962C8B-B14F-4D97-AF65-F5344CB8AC3E}">
         <p14:creationId xmlns:p14="http://schemas.microsoft.com/office/powerpoint/2010/main" val="1240694350"/>
-      </p:ext>
-    </p:extLst>
-  </p:cSld>
-  <p:clrMapOvr>
-    <a:masterClrMapping/>
-  </p:clrMapOvr>
-  <p:transition spd="med">
-    <p:wipe dir="r"/>
-  </p:transition>
-</p:sld>
-</file>
-
-<file path=ppt/slides/slide41.xml><?xml version="1.0" encoding="utf-8"?>
-<p:sld xmlns:a="http://schemas.openxmlformats.org/drawingml/2006/main" xmlns:r="http://schemas.openxmlformats.org/officeDocument/2006/relationships" xmlns:p="http://schemas.openxmlformats.org/presentationml/2006/main">
-  <p:cSld>
-    <p:spTree>
-      <p:nvGrpSpPr>
-        <p:cNvPr id="1" name=""/>
-        <p:cNvGrpSpPr/>
-        <p:nvPr/>
-      </p:nvGrpSpPr>
-      <p:grpSpPr>
-        <a:xfrm>
-          <a:off x="0" y="0"/>
-          <a:ext cx="0" cy="0"/>
-          <a:chOff x="0" y="0"/>
-          <a:chExt cx="0" cy="0"/>
-        </a:xfrm>
-      </p:grpSpPr>
-      <p:sp>
-        <p:nvSpPr>
-          <p:cNvPr id="48130" name="Rectangle 2"/>
-          <p:cNvSpPr>
-            <a:spLocks noGrp="1" noChangeArrowheads="1"/>
-          </p:cNvSpPr>
-          <p:nvPr>
-            <p:ph type="title"/>
-          </p:nvPr>
-        </p:nvSpPr>
-        <p:spPr/>
-        <p:txBody>
-          <a:bodyPr/>
-          <a:lstStyle/>
-          <a:p>
-            <a:r>
-              <a:rPr lang="en-GB"/>
-              <a:t>Use cases</a:t>
-            </a:r>
-          </a:p>
-        </p:txBody>
-      </p:sp>
-      <p:sp>
-        <p:nvSpPr>
-          <p:cNvPr id="48131" name="Rectangle 3"/>
-          <p:cNvSpPr>
-            <a:spLocks noGrp="1" noChangeArrowheads="1"/>
-          </p:cNvSpPr>
-          <p:nvPr>
-            <p:ph idx="1"/>
-          </p:nvPr>
-        </p:nvSpPr>
-        <p:spPr/>
-        <p:txBody>
-          <a:bodyPr/>
-          <a:lstStyle/>
-          <a:p>
-            <a:r>
-              <a:rPr lang="en-GB" dirty="0"/>
-              <a:t>Use-cases are a kind of scenario that are included in the UML. </a:t>
-            </a:r>
-          </a:p>
-          <a:p>
-            <a:r>
-              <a:rPr lang="en-GB" dirty="0"/>
-              <a:t>Use cases identify the actors in an interaction and which describe the interaction itself.</a:t>
-            </a:r>
-          </a:p>
-          <a:p>
-            <a:r>
-              <a:rPr lang="en-GB" dirty="0"/>
-              <a:t>A set of use cases should describe all possible interactions with the system.</a:t>
-            </a:r>
-          </a:p>
-          <a:p>
-            <a:r>
-              <a:rPr lang="en-GB" dirty="0"/>
-              <a:t>High-level graphical model supplemented by more detailed tabular description.</a:t>
-            </a:r>
-          </a:p>
-          <a:p>
-            <a:r>
-              <a:rPr lang="en-GB" dirty="0"/>
-              <a:t>UML sequence diagrams may be used to add detail to use-cases by showing the sequence of event processing in the system.</a:t>
-            </a:r>
-          </a:p>
-        </p:txBody>
-      </p:sp>
-      <p:sp>
-        <p:nvSpPr>
-          <p:cNvPr id="4" name="Slide Number Placeholder 3"/>
-          <p:cNvSpPr>
-            <a:spLocks noGrp="1"/>
-          </p:cNvSpPr>
-          <p:nvPr>
-            <p:ph type="sldNum" sz="quarter" idx="12"/>
-          </p:nvPr>
-        </p:nvSpPr>
-        <p:spPr/>
-        <p:txBody>
-          <a:bodyPr/>
-          <a:lstStyle/>
-          <a:p>
-            <a:pPr>
-              <a:defRPr/>
-            </a:pPr>
-            <a:fld id="{825F70CE-84E9-D04C-9B15-10C693AA0F2A}" type="slidenum">
-              <a:rPr lang="en-US" smtClean="0"/>
-              <a:pPr>
-                <a:defRPr/>
-              </a:pPr>
-              <a:t>41</a:t>
-            </a:fld>
-            <a:endParaRPr lang="en-US"/>
-          </a:p>
-        </p:txBody>
-      </p:sp>
-      <p:sp>
-        <p:nvSpPr>
-          <p:cNvPr id="2" name="Date Placeholder 1"/>
-          <p:cNvSpPr>
-            <a:spLocks noGrp="1"/>
-          </p:cNvSpPr>
-          <p:nvPr>
-            <p:ph type="dt" sz="half" idx="10"/>
-          </p:nvPr>
-        </p:nvSpPr>
-        <p:spPr/>
-        <p:txBody>
-          <a:bodyPr/>
-          <a:lstStyle/>
-          <a:p>
-            <a:pPr>
-              <a:defRPr/>
-            </a:pPr>
-            <a:fld id="{E984100D-7A86-4AE3-B8A4-1CE88DE6E17B}" type="datetime1">
-              <a:rPr lang="en-US" smtClean="0"/>
-              <a:t>3/25/2019</a:t>
-            </a:fld>
-            <a:endParaRPr lang="en-US" dirty="0"/>
-          </a:p>
-        </p:txBody>
-      </p:sp>
-    </p:spTree>
-    <p:extLst>
-      <p:ext uri="{BB962C8B-B14F-4D97-AF65-F5344CB8AC3E}">
-        <p14:creationId xmlns:p14="http://schemas.microsoft.com/office/powerpoint/2010/main" val="1477966070"/>
       </p:ext>
     </p:extLst>
   </p:cSld>
@@ -12764,9 +12604,9 @@
       </p:grpSpPr>
       <p:sp>
         <p:nvSpPr>
-          <p:cNvPr id="32770" name="Title 1"/>
-          <p:cNvSpPr>
-            <a:spLocks noGrp="1"/>
+          <p:cNvPr id="48130" name="Rectangle 2"/>
+          <p:cNvSpPr>
+            <a:spLocks noGrp="1" noChangeArrowheads="1"/>
           </p:cNvSpPr>
           <p:nvPr>
             <p:ph type="title"/>
@@ -12777,22 +12617,62 @@
           <a:bodyPr/>
           <a:lstStyle/>
           <a:p>
-            <a:pPr eaLnBrk="1" hangingPunct="1"/>
-            <a:r>
-              <a:rPr lang="en-US" dirty="0"/>
-              <a:t>Use cases for the </a:t>
-            </a:r>
+            <a:r>
+              <a:rPr lang="en-GB"/>
+              <a:t>Use cases</a:t>
+            </a:r>
+          </a:p>
+        </p:txBody>
+      </p:sp>
+      <p:sp>
+        <p:nvSpPr>
+          <p:cNvPr id="48131" name="Rectangle 3"/>
+          <p:cNvSpPr>
+            <a:spLocks noGrp="1" noChangeArrowheads="1"/>
+          </p:cNvSpPr>
+          <p:nvPr>
+            <p:ph idx="1"/>
+          </p:nvPr>
+        </p:nvSpPr>
+        <p:spPr/>
+        <p:txBody>
+          <a:bodyPr/>
+          <a:lstStyle/>
+          <a:p>
             <a:r>
               <a:rPr lang="en-GB" dirty="0"/>
-              <a:t>Mentcare system</a:t>
-            </a:r>
-            <a:endParaRPr lang="en-US" dirty="0"/>
-          </a:p>
-        </p:txBody>
-      </p:sp>
-      <p:sp>
-        <p:nvSpPr>
-          <p:cNvPr id="5" name="Slide Number Placeholder 4"/>
+              <a:t>Use-cases are a kind of scenario that are included in the UML. </a:t>
+            </a:r>
+          </a:p>
+          <a:p>
+            <a:r>
+              <a:rPr lang="en-GB" dirty="0"/>
+              <a:t>Use cases identify the actors in an interaction and which describe the interaction itself.</a:t>
+            </a:r>
+          </a:p>
+          <a:p>
+            <a:r>
+              <a:rPr lang="en-GB" dirty="0"/>
+              <a:t>A set of use cases should describe all possible interactions with the system.</a:t>
+            </a:r>
+          </a:p>
+          <a:p>
+            <a:r>
+              <a:rPr lang="en-GB" dirty="0"/>
+              <a:t>High-level graphical model supplemented by more detailed tabular description.</a:t>
+            </a:r>
+          </a:p>
+          <a:p>
+            <a:r>
+              <a:rPr lang="en-GB" dirty="0"/>
+              <a:t>UML sequence diagrams may be used to add detail to use-cases by showing the sequence of event processing in the system.</a:t>
+            </a:r>
+          </a:p>
+        </p:txBody>
+      </p:sp>
+      <p:sp>
+        <p:nvSpPr>
+          <p:cNvPr id="4" name="Slide Number Placeholder 3"/>
           <p:cNvSpPr>
             <a:spLocks noGrp="1"/>
           </p:cNvSpPr>
@@ -12819,30 +12699,6 @@
           </a:p>
         </p:txBody>
       </p:sp>
-      <p:pic>
-        <p:nvPicPr>
-          <p:cNvPr id="4" name="Picture 3" descr="4.15 UseCases.eps"/>
-          <p:cNvPicPr>
-            <a:picLocks noChangeAspect="1"/>
-          </p:cNvPicPr>
-          <p:nvPr/>
-        </p:nvPicPr>
-        <p:blipFill>
-          <a:blip r:embed="rId2"/>
-          <a:stretch>
-            <a:fillRect/>
-          </a:stretch>
-        </p:blipFill>
-        <p:spPr>
-          <a:xfrm>
-            <a:off x="1447799" y="1828800"/>
-            <a:ext cx="6555509" cy="3886200"/>
-          </a:xfrm>
-          <a:prstGeom prst="rect">
-            <a:avLst/>
-          </a:prstGeom>
-        </p:spPr>
-      </p:pic>
       <p:sp>
         <p:nvSpPr>
           <p:cNvPr id="2" name="Date Placeholder 1"/>
@@ -12861,9 +12717,9 @@
             <a:pPr>
               <a:defRPr/>
             </a:pPr>
-            <a:fld id="{37ABA656-90B2-4F70-953C-087063D4C862}" type="datetime1">
+            <a:fld id="{E984100D-7A86-4AE3-B8A4-1CE88DE6E17B}" type="datetime1">
               <a:rPr lang="en-US" smtClean="0"/>
-              <a:t>3/25/2019</a:t>
+              <a:t>4/1/2019</a:t>
             </a:fld>
             <a:endParaRPr lang="en-US" dirty="0"/>
           </a:p>
@@ -12872,7 +12728,7 @@
     </p:spTree>
     <p:extLst>
       <p:ext uri="{BB962C8B-B14F-4D97-AF65-F5344CB8AC3E}">
-        <p14:creationId xmlns:p14="http://schemas.microsoft.com/office/powerpoint/2010/main" val="3002223797"/>
+        <p14:creationId xmlns:p14="http://schemas.microsoft.com/office/powerpoint/2010/main" val="1477966070"/>
       </p:ext>
     </p:extLst>
   </p:cSld>
@@ -12904,69 +12760,35 @@
       </p:grpSpPr>
       <p:sp>
         <p:nvSpPr>
-          <p:cNvPr id="16386" name="Rectangle 2"/>
-          <p:cNvSpPr>
-            <a:spLocks noGrp="1" noChangeArrowheads="1"/>
+          <p:cNvPr id="32770" name="Title 1"/>
+          <p:cNvSpPr>
+            <a:spLocks noGrp="1"/>
           </p:cNvSpPr>
           <p:nvPr>
             <p:ph type="title"/>
           </p:nvPr>
         </p:nvSpPr>
-        <p:spPr>
-          <a:noFill/>
-          <a:ln/>
-        </p:spPr>
-        <p:txBody>
-          <a:bodyPr lIns="90487" tIns="44450" rIns="90487" bIns="44450"/>
-          <a:lstStyle/>
-          <a:p>
+        <p:spPr/>
+        <p:txBody>
+          <a:bodyPr/>
+          <a:lstStyle/>
+          <a:p>
+            <a:pPr eaLnBrk="1" hangingPunct="1"/>
+            <a:r>
+              <a:rPr lang="en-US" dirty="0"/>
+              <a:t>Use cases for the </a:t>
+            </a:r>
             <a:r>
               <a:rPr lang="en-GB" dirty="0"/>
-              <a:t>The software requirements document</a:t>
-            </a:r>
-          </a:p>
-        </p:txBody>
-      </p:sp>
-      <p:sp>
-        <p:nvSpPr>
-          <p:cNvPr id="16387" name="Rectangle 3"/>
-          <p:cNvSpPr>
-            <a:spLocks noGrp="1" noChangeArrowheads="1"/>
-          </p:cNvSpPr>
-          <p:nvPr>
-            <p:ph idx="1"/>
-          </p:nvPr>
-        </p:nvSpPr>
-        <p:spPr>
-          <a:noFill/>
-          <a:ln/>
-        </p:spPr>
-        <p:txBody>
-          <a:bodyPr lIns="90487" tIns="44450" rIns="90487" bIns="44450"/>
-          <a:lstStyle/>
-          <a:p>
-            <a:r>
-              <a:rPr lang="en-GB" dirty="0"/>
-              <a:t>The software requirements document is the official statement of what is required of the system developers.</a:t>
-            </a:r>
-          </a:p>
-          <a:p>
-            <a:r>
-              <a:rPr lang="en-GB" dirty="0"/>
-              <a:t>Should include both a definition of user requirements and a specification of the system requirements.</a:t>
-            </a:r>
-          </a:p>
-          <a:p>
-            <a:r>
-              <a:rPr lang="en-GB" dirty="0"/>
-              <a:t>It is NOT a design document. As far as possible, it should set of WHAT the system should do rather than HOW it should do it.</a:t>
-            </a:r>
-          </a:p>
-        </p:txBody>
-      </p:sp>
-      <p:sp>
-        <p:nvSpPr>
-          <p:cNvPr id="4" name="Slide Number Placeholder 3"/>
+              <a:t>Mentcare system</a:t>
+            </a:r>
+            <a:endParaRPr lang="en-US" dirty="0"/>
+          </a:p>
+        </p:txBody>
+      </p:sp>
+      <p:sp>
+        <p:nvSpPr>
+          <p:cNvPr id="5" name="Slide Number Placeholder 4"/>
           <p:cNvSpPr>
             <a:spLocks noGrp="1"/>
           </p:cNvSpPr>
@@ -12993,6 +12815,30 @@
           </a:p>
         </p:txBody>
       </p:sp>
+      <p:pic>
+        <p:nvPicPr>
+          <p:cNvPr id="4" name="Picture 3" descr="4.15 UseCases.eps"/>
+          <p:cNvPicPr>
+            <a:picLocks noChangeAspect="1"/>
+          </p:cNvPicPr>
+          <p:nvPr/>
+        </p:nvPicPr>
+        <p:blipFill>
+          <a:blip r:embed="rId2"/>
+          <a:stretch>
+            <a:fillRect/>
+          </a:stretch>
+        </p:blipFill>
+        <p:spPr>
+          <a:xfrm>
+            <a:off x="1447799" y="1828800"/>
+            <a:ext cx="6555509" cy="3886200"/>
+          </a:xfrm>
+          <a:prstGeom prst="rect">
+            <a:avLst/>
+          </a:prstGeom>
+        </p:spPr>
+      </p:pic>
       <p:sp>
         <p:nvSpPr>
           <p:cNvPr id="2" name="Date Placeholder 1"/>
@@ -13011,9 +12857,9 @@
             <a:pPr>
               <a:defRPr/>
             </a:pPr>
-            <a:fld id="{B16626C4-9444-4081-86DB-CEFE51F91FC7}" type="datetime1">
+            <a:fld id="{37ABA656-90B2-4F70-953C-087063D4C862}" type="datetime1">
               <a:rPr lang="en-US" smtClean="0"/>
-              <a:t>3/25/2019</a:t>
+              <a:t>4/1/2019</a:t>
             </a:fld>
             <a:endParaRPr lang="en-US" dirty="0"/>
           </a:p>
@@ -13022,14 +12868,16 @@
     </p:spTree>
     <p:extLst>
       <p:ext uri="{BB962C8B-B14F-4D97-AF65-F5344CB8AC3E}">
-        <p14:creationId xmlns:p14="http://schemas.microsoft.com/office/powerpoint/2010/main" val="3604491601"/>
+        <p14:creationId xmlns:p14="http://schemas.microsoft.com/office/powerpoint/2010/main" val="3002223797"/>
       </p:ext>
     </p:extLst>
   </p:cSld>
   <p:clrMapOvr>
     <a:masterClrMapping/>
   </p:clrMapOvr>
-  <p:transition/>
+  <p:transition spd="med">
+    <p:wipe dir="r"/>
+  </p:transition>
 </p:sld>
 </file>
 
@@ -13052,35 +12900,69 @@
       </p:grpSpPr>
       <p:sp>
         <p:nvSpPr>
-          <p:cNvPr id="23554" name="Title 1"/>
-          <p:cNvSpPr>
-            <a:spLocks noGrp="1"/>
+          <p:cNvPr id="16386" name="Rectangle 2"/>
+          <p:cNvSpPr>
+            <a:spLocks noGrp="1" noChangeArrowheads="1"/>
           </p:cNvSpPr>
           <p:nvPr>
             <p:ph type="title"/>
           </p:nvPr>
         </p:nvSpPr>
-        <p:spPr/>
-        <p:txBody>
-          <a:bodyPr/>
-          <a:lstStyle/>
-          <a:p>
-            <a:pPr eaLnBrk="1" hangingPunct="1"/>
-            <a:r>
-              <a:rPr lang="en-US" dirty="0"/>
-              <a:t>Users of a requirements document</a:t>
-            </a:r>
+        <p:spPr>
+          <a:noFill/>
+          <a:ln/>
+        </p:spPr>
+        <p:txBody>
+          <a:bodyPr lIns="90487" tIns="44450" rIns="90487" bIns="44450"/>
+          <a:lstStyle/>
+          <a:p>
             <a:r>
               <a:rPr lang="en-GB" dirty="0"/>
-              <a:t> </a:t>
-            </a:r>
-            <a:endParaRPr lang="en-US" dirty="0"/>
-          </a:p>
-        </p:txBody>
-      </p:sp>
-      <p:sp>
-        <p:nvSpPr>
-          <p:cNvPr id="5" name="Slide Number Placeholder 4"/>
+              <a:t>The software requirements document</a:t>
+            </a:r>
+          </a:p>
+        </p:txBody>
+      </p:sp>
+      <p:sp>
+        <p:nvSpPr>
+          <p:cNvPr id="16387" name="Rectangle 3"/>
+          <p:cNvSpPr>
+            <a:spLocks noGrp="1" noChangeArrowheads="1"/>
+          </p:cNvSpPr>
+          <p:nvPr>
+            <p:ph idx="1"/>
+          </p:nvPr>
+        </p:nvSpPr>
+        <p:spPr>
+          <a:noFill/>
+          <a:ln/>
+        </p:spPr>
+        <p:txBody>
+          <a:bodyPr lIns="90487" tIns="44450" rIns="90487" bIns="44450"/>
+          <a:lstStyle/>
+          <a:p>
+            <a:r>
+              <a:rPr lang="en-GB" dirty="0"/>
+              <a:t>The software requirements document is the official statement of what is required of the system developers.</a:t>
+            </a:r>
+          </a:p>
+          <a:p>
+            <a:r>
+              <a:rPr lang="en-GB" dirty="0"/>
+              <a:t>Should include both a definition of user requirements and a specification of the system requirements.</a:t>
+            </a:r>
+          </a:p>
+          <a:p>
+            <a:r>
+              <a:rPr lang="en-GB" dirty="0"/>
+              <a:t>It is NOT a design document. As far as possible, it should set of WHAT the system should do rather than HOW it should do it.</a:t>
+            </a:r>
+          </a:p>
+        </p:txBody>
+      </p:sp>
+      <p:sp>
+        <p:nvSpPr>
+          <p:cNvPr id="4" name="Slide Number Placeholder 3"/>
           <p:cNvSpPr>
             <a:spLocks noGrp="1"/>
           </p:cNvSpPr>
@@ -13102,6 +12984,120 @@
                 <a:defRPr/>
               </a:pPr>
               <a:t>44</a:t>
+            </a:fld>
+            <a:endParaRPr lang="en-US"/>
+          </a:p>
+        </p:txBody>
+      </p:sp>
+      <p:sp>
+        <p:nvSpPr>
+          <p:cNvPr id="2" name="Date Placeholder 1"/>
+          <p:cNvSpPr>
+            <a:spLocks noGrp="1"/>
+          </p:cNvSpPr>
+          <p:nvPr>
+            <p:ph type="dt" sz="half" idx="10"/>
+          </p:nvPr>
+        </p:nvSpPr>
+        <p:spPr/>
+        <p:txBody>
+          <a:bodyPr/>
+          <a:lstStyle/>
+          <a:p>
+            <a:pPr>
+              <a:defRPr/>
+            </a:pPr>
+            <a:fld id="{B16626C4-9444-4081-86DB-CEFE51F91FC7}" type="datetime1">
+              <a:rPr lang="en-US" smtClean="0"/>
+              <a:t>4/1/2019</a:t>
+            </a:fld>
+            <a:endParaRPr lang="en-US" dirty="0"/>
+          </a:p>
+        </p:txBody>
+      </p:sp>
+    </p:spTree>
+    <p:extLst>
+      <p:ext uri="{BB962C8B-B14F-4D97-AF65-F5344CB8AC3E}">
+        <p14:creationId xmlns:p14="http://schemas.microsoft.com/office/powerpoint/2010/main" val="3604491601"/>
+      </p:ext>
+    </p:extLst>
+  </p:cSld>
+  <p:clrMapOvr>
+    <a:masterClrMapping/>
+  </p:clrMapOvr>
+  <p:transition/>
+</p:sld>
+</file>
+
+<file path=ppt/slides/slide45.xml><?xml version="1.0" encoding="utf-8"?>
+<p:sld xmlns:a="http://schemas.openxmlformats.org/drawingml/2006/main" xmlns:r="http://schemas.openxmlformats.org/officeDocument/2006/relationships" xmlns:p="http://schemas.openxmlformats.org/presentationml/2006/main">
+  <p:cSld>
+    <p:spTree>
+      <p:nvGrpSpPr>
+        <p:cNvPr id="1" name=""/>
+        <p:cNvGrpSpPr/>
+        <p:nvPr/>
+      </p:nvGrpSpPr>
+      <p:grpSpPr>
+        <a:xfrm>
+          <a:off x="0" y="0"/>
+          <a:ext cx="0" cy="0"/>
+          <a:chOff x="0" y="0"/>
+          <a:chExt cx="0" cy="0"/>
+        </a:xfrm>
+      </p:grpSpPr>
+      <p:sp>
+        <p:nvSpPr>
+          <p:cNvPr id="23554" name="Title 1"/>
+          <p:cNvSpPr>
+            <a:spLocks noGrp="1"/>
+          </p:cNvSpPr>
+          <p:nvPr>
+            <p:ph type="title"/>
+          </p:nvPr>
+        </p:nvSpPr>
+        <p:spPr/>
+        <p:txBody>
+          <a:bodyPr/>
+          <a:lstStyle/>
+          <a:p>
+            <a:pPr eaLnBrk="1" hangingPunct="1"/>
+            <a:r>
+              <a:rPr lang="en-US" dirty="0"/>
+              <a:t>Users of a requirements document</a:t>
+            </a:r>
+            <a:r>
+              <a:rPr lang="en-GB" dirty="0"/>
+              <a:t> </a:t>
+            </a:r>
+            <a:endParaRPr lang="en-US" dirty="0"/>
+          </a:p>
+        </p:txBody>
+      </p:sp>
+      <p:sp>
+        <p:nvSpPr>
+          <p:cNvPr id="5" name="Slide Number Placeholder 4"/>
+          <p:cNvSpPr>
+            <a:spLocks noGrp="1"/>
+          </p:cNvSpPr>
+          <p:nvPr>
+            <p:ph type="sldNum" sz="quarter" idx="12"/>
+          </p:nvPr>
+        </p:nvSpPr>
+        <p:spPr/>
+        <p:txBody>
+          <a:bodyPr/>
+          <a:lstStyle/>
+          <a:p>
+            <a:pPr>
+              <a:defRPr/>
+            </a:pPr>
+            <a:fld id="{825F70CE-84E9-D04C-9B15-10C693AA0F2A}" type="slidenum">
+              <a:rPr lang="en-US" smtClean="0"/>
+              <a:pPr>
+                <a:defRPr/>
+              </a:pPr>
+              <a:t>45</a:t>
             </a:fld>
             <a:endParaRPr lang="en-US"/>
           </a:p>
@@ -13151,7 +13147,7 @@
             </a:pPr>
             <a:fld id="{CEB4C6E5-A0BD-4B80-985D-0A6D8C6577C4}" type="datetime1">
               <a:rPr lang="en-US" smtClean="0"/>
-              <a:t>3/25/2019</a:t>
+              <a:t>4/1/2019</a:t>
             </a:fld>
             <a:endParaRPr lang="en-US" dirty="0"/>
           </a:p>
@@ -13161,122 +13157,6 @@
     <p:extLst>
       <p:ext uri="{BB962C8B-B14F-4D97-AF65-F5344CB8AC3E}">
         <p14:creationId xmlns:p14="http://schemas.microsoft.com/office/powerpoint/2010/main" val="74181069"/>
-      </p:ext>
-    </p:extLst>
-  </p:cSld>
-  <p:clrMapOvr>
-    <a:masterClrMapping/>
-  </p:clrMapOvr>
-  <p:transition spd="med">
-    <p:wipe dir="r"/>
-  </p:transition>
-</p:sld>
-</file>
-
-<file path=ppt/slides/slide45.xml><?xml version="1.0" encoding="utf-8"?>
-<p:sld xmlns:a="http://schemas.openxmlformats.org/drawingml/2006/main" xmlns:r="http://schemas.openxmlformats.org/officeDocument/2006/relationships" xmlns:p="http://schemas.openxmlformats.org/presentationml/2006/main">
-  <p:cSld>
-    <p:spTree>
-      <p:nvGrpSpPr>
-        <p:cNvPr id="1" name=""/>
-        <p:cNvGrpSpPr/>
-        <p:nvPr/>
-      </p:nvGrpSpPr>
-      <p:grpSpPr>
-        <a:xfrm>
-          <a:off x="0" y="0"/>
-          <a:ext cx="0" cy="0"/>
-          <a:chOff x="0" y="0"/>
-          <a:chExt cx="0" cy="0"/>
-        </a:xfrm>
-      </p:grpSpPr>
-      <p:sp>
-        <p:nvSpPr>
-          <p:cNvPr id="2" name="Title 1"/>
-          <p:cNvSpPr>
-            <a:spLocks noGrp="1"/>
-          </p:cNvSpPr>
-          <p:nvPr>
-            <p:ph type="title"/>
-          </p:nvPr>
-        </p:nvSpPr>
-        <p:spPr>
-          <a:xfrm>
-            <a:off x="447244" y="2348880"/>
-            <a:ext cx="8239555" cy="1143000"/>
-          </a:xfrm>
-        </p:spPr>
-        <p:txBody>
-          <a:bodyPr/>
-          <a:lstStyle/>
-          <a:p>
-            <a:pPr algn="ctr"/>
-            <a:r>
-              <a:rPr lang="en-US" dirty="0"/>
-              <a:t>Requirements validation</a:t>
-            </a:r>
-          </a:p>
-        </p:txBody>
-      </p:sp>
-      <p:sp>
-        <p:nvSpPr>
-          <p:cNvPr id="5" name="Slide Number Placeholder 4"/>
-          <p:cNvSpPr>
-            <a:spLocks noGrp="1"/>
-          </p:cNvSpPr>
-          <p:nvPr>
-            <p:ph type="sldNum" sz="quarter" idx="12"/>
-          </p:nvPr>
-        </p:nvSpPr>
-        <p:spPr/>
-        <p:txBody>
-          <a:bodyPr/>
-          <a:lstStyle/>
-          <a:p>
-            <a:pPr>
-              <a:defRPr/>
-            </a:pPr>
-            <a:fld id="{825F70CE-84E9-D04C-9B15-10C693AA0F2A}" type="slidenum">
-              <a:rPr lang="en-US" smtClean="0"/>
-              <a:pPr>
-                <a:defRPr/>
-              </a:pPr>
-              <a:t>45</a:t>
-            </a:fld>
-            <a:endParaRPr lang="en-US"/>
-          </a:p>
-        </p:txBody>
-      </p:sp>
-      <p:sp>
-        <p:nvSpPr>
-          <p:cNvPr id="3" name="Date Placeholder 2"/>
-          <p:cNvSpPr>
-            <a:spLocks noGrp="1"/>
-          </p:cNvSpPr>
-          <p:nvPr>
-            <p:ph type="dt" sz="half" idx="10"/>
-          </p:nvPr>
-        </p:nvSpPr>
-        <p:spPr/>
-        <p:txBody>
-          <a:bodyPr/>
-          <a:lstStyle/>
-          <a:p>
-            <a:pPr>
-              <a:defRPr/>
-            </a:pPr>
-            <a:fld id="{15CA8CE8-A8EC-422B-B07F-4000B15CDD5D}" type="datetime1">
-              <a:rPr lang="en-US" smtClean="0"/>
-              <a:t>3/25/2019</a:t>
-            </a:fld>
-            <a:endParaRPr lang="en-US" dirty="0"/>
-          </a:p>
-        </p:txBody>
-      </p:sp>
-    </p:spTree>
-    <p:extLst>
-      <p:ext uri="{BB962C8B-B14F-4D97-AF65-F5344CB8AC3E}">
-        <p14:creationId xmlns:p14="http://schemas.microsoft.com/office/powerpoint/2010/main" val="1420345495"/>
       </p:ext>
     </p:extLst>
   </p:cSld>
@@ -13308,24 +13188,27 @@
       </p:grpSpPr>
       <p:sp>
         <p:nvSpPr>
-          <p:cNvPr id="57346" name="Rectangle 2"/>
-          <p:cNvSpPr>
-            <a:spLocks noGrp="1" noChangeArrowheads="1"/>
+          <p:cNvPr id="2" name="Title 1"/>
+          <p:cNvSpPr>
+            <a:spLocks noGrp="1"/>
           </p:cNvSpPr>
           <p:nvPr>
             <p:ph type="title"/>
           </p:nvPr>
         </p:nvSpPr>
         <p:spPr>
-          <a:noFill/>
-          <a:ln/>
+          <a:xfrm>
+            <a:off x="447244" y="2348880"/>
+            <a:ext cx="8239555" cy="1143000"/>
+          </a:xfrm>
         </p:spPr>
         <p:txBody>
-          <a:bodyPr lIns="90487" tIns="44450" rIns="90487" bIns="44450"/>
-          <a:lstStyle/>
-          <a:p>
-            <a:r>
-              <a:rPr lang="en-GB"/>
+          <a:bodyPr/>
+          <a:lstStyle/>
+          <a:p>
+            <a:pPr algn="ctr"/>
+            <a:r>
+              <a:rPr lang="en-US" dirty="0"/>
               <a:t>Requirements validation</a:t>
             </a:r>
           </a:p>
@@ -13333,45 +13216,7 @@
       </p:sp>
       <p:sp>
         <p:nvSpPr>
-          <p:cNvPr id="57347" name="Rectangle 3"/>
-          <p:cNvSpPr>
-            <a:spLocks noGrp="1" noChangeArrowheads="1"/>
-          </p:cNvSpPr>
-          <p:nvPr>
-            <p:ph idx="1"/>
-          </p:nvPr>
-        </p:nvSpPr>
-        <p:spPr>
-          <a:noFill/>
-          <a:ln/>
-        </p:spPr>
-        <p:txBody>
-          <a:bodyPr lIns="90487" tIns="44450" rIns="90487" bIns="44450"/>
-          <a:lstStyle/>
-          <a:p>
-            <a:r>
-              <a:rPr lang="en-GB"/>
-              <a:t>Concerned with demonstrating that the requirements define the system that the customer really wants.</a:t>
-            </a:r>
-          </a:p>
-          <a:p>
-            <a:r>
-              <a:rPr lang="en-GB"/>
-              <a:t>Requirements error costs are high so validation is very important</a:t>
-            </a:r>
-          </a:p>
-          <a:p>
-            <a:pPr lvl="1"/>
-            <a:r>
-              <a:rPr lang="en-GB"/>
-              <a:t>Fixing a requirements error after delivery may cost up to 100 times the cost of fixing an implementation error.</a:t>
-            </a:r>
-          </a:p>
-        </p:txBody>
-      </p:sp>
-      <p:sp>
-        <p:nvSpPr>
-          <p:cNvPr id="4" name="Slide Number Placeholder 3"/>
+          <p:cNvPr id="5" name="Slide Number Placeholder 4"/>
           <p:cNvSpPr>
             <a:spLocks noGrp="1"/>
           </p:cNvSpPr>
@@ -13400,7 +13245,7 @@
       </p:sp>
       <p:sp>
         <p:nvSpPr>
-          <p:cNvPr id="2" name="Date Placeholder 1"/>
+          <p:cNvPr id="3" name="Date Placeholder 2"/>
           <p:cNvSpPr>
             <a:spLocks noGrp="1"/>
           </p:cNvSpPr>
@@ -13416,20 +13261,27 @@
             <a:pPr>
               <a:defRPr/>
             </a:pPr>
-            <a:fld id="{28DE480F-782B-4004-A564-EB6E5E29CE33}" type="datetime1">
+            <a:fld id="{15CA8CE8-A8EC-422B-B07F-4000B15CDD5D}" type="datetime1">
               <a:rPr lang="en-US" smtClean="0"/>
-              <a:t>3/25/2019</a:t>
+              <a:t>4/1/2019</a:t>
             </a:fld>
             <a:endParaRPr lang="en-US" dirty="0"/>
           </a:p>
         </p:txBody>
       </p:sp>
     </p:spTree>
+    <p:extLst>
+      <p:ext uri="{BB962C8B-B14F-4D97-AF65-F5344CB8AC3E}">
+        <p14:creationId xmlns:p14="http://schemas.microsoft.com/office/powerpoint/2010/main" val="1420345495"/>
+      </p:ext>
+    </p:extLst>
   </p:cSld>
   <p:clrMapOvr>
     <a:masterClrMapping/>
   </p:clrMapOvr>
-  <p:transition/>
+  <p:transition spd="med">
+    <p:wipe dir="r"/>
+  </p:transition>
 </p:sld>
 </file>
 
@@ -13452,7 +13304,7 @@
       </p:grpSpPr>
       <p:sp>
         <p:nvSpPr>
-          <p:cNvPr id="77826" name="Rectangle 2"/>
+          <p:cNvPr id="57346" name="Rectangle 2"/>
           <p:cNvSpPr>
             <a:spLocks noGrp="1" noChangeArrowheads="1"/>
           </p:cNvSpPr>
@@ -13461,25 +13313,23 @@
           </p:nvPr>
         </p:nvSpPr>
         <p:spPr>
-          <a:xfrm>
-            <a:off x="381000" y="266700"/>
-            <a:ext cx="8305800" cy="1104900"/>
-          </a:xfrm>
+          <a:noFill/>
+          <a:ln/>
         </p:spPr>
         <p:txBody>
-          <a:bodyPr/>
+          <a:bodyPr lIns="90487" tIns="44450" rIns="90487" bIns="44450"/>
           <a:lstStyle/>
           <a:p>
             <a:r>
               <a:rPr lang="en-GB"/>
-              <a:t>Requirements validation techniques</a:t>
-            </a:r>
-          </a:p>
-        </p:txBody>
-      </p:sp>
-      <p:sp>
-        <p:nvSpPr>
-          <p:cNvPr id="77827" name="Rectangle 3"/>
+              <a:t>Requirements validation</a:t>
+            </a:r>
+          </a:p>
+        </p:txBody>
+      </p:sp>
+      <p:sp>
+        <p:nvSpPr>
+          <p:cNvPr id="57347" name="Rectangle 3"/>
           <p:cNvSpPr>
             <a:spLocks noGrp="1" noChangeArrowheads="1"/>
           </p:cNvSpPr>
@@ -13487,85 +13337,31 @@
             <p:ph idx="1"/>
           </p:nvPr>
         </p:nvSpPr>
-        <p:spPr/>
-        <p:txBody>
-          <a:bodyPr/>
-          <a:lstStyle/>
-          <a:p>
-            <a:pPr>
-              <a:lnSpc>
-                <a:spcPct val="90000"/>
-              </a:lnSpc>
-            </a:pPr>
-            <a:r>
-              <a:rPr lang="en-GB" dirty="0"/>
-              <a:t>Requirements reviews</a:t>
-            </a:r>
-          </a:p>
-          <a:p>
-            <a:pPr lvl="1">
-              <a:lnSpc>
-                <a:spcPct val="90000"/>
-              </a:lnSpc>
-            </a:pPr>
-            <a:r>
-              <a:rPr lang="en-GB" dirty="0"/>
-              <a:t>Systematic manual analysis of the requirements.</a:t>
-            </a:r>
-          </a:p>
-          <a:p>
-            <a:pPr>
-              <a:lnSpc>
-                <a:spcPct val="90000"/>
-              </a:lnSpc>
-            </a:pPr>
-            <a:r>
-              <a:rPr lang="en-GB" dirty="0"/>
-              <a:t>Prototyping</a:t>
-            </a:r>
-          </a:p>
-          <a:p>
-            <a:pPr lvl="1">
-              <a:lnSpc>
-                <a:spcPct val="90000"/>
-              </a:lnSpc>
-            </a:pPr>
-            <a:r>
-              <a:rPr lang="en-GB" dirty="0"/>
-              <a:t>Using an executable model of the system to check requirements. </a:t>
-            </a:r>
-          </a:p>
-          <a:p>
-            <a:pPr>
-              <a:lnSpc>
-                <a:spcPct val="90000"/>
-              </a:lnSpc>
-            </a:pPr>
-            <a:r>
-              <a:rPr lang="en-GB" dirty="0"/>
-              <a:t>Test-case generation</a:t>
-            </a:r>
-          </a:p>
-          <a:p>
-            <a:pPr lvl="1">
-              <a:lnSpc>
-                <a:spcPct val="90000"/>
-              </a:lnSpc>
-            </a:pPr>
-            <a:r>
-              <a:rPr lang="en-GB" dirty="0"/>
-              <a:t>Developing tests for requirements to check testability.</a:t>
-            </a:r>
-          </a:p>
-          <a:p>
-            <a:pPr>
-              <a:lnSpc>
-                <a:spcPct val="90000"/>
-              </a:lnSpc>
-              <a:buFont typeface="Zapf Dingbats" charset="2"/>
-              <a:buNone/>
-            </a:pPr>
-            <a:endParaRPr lang="en-GB" dirty="0"/>
+        <p:spPr>
+          <a:noFill/>
+          <a:ln/>
+        </p:spPr>
+        <p:txBody>
+          <a:bodyPr lIns="90487" tIns="44450" rIns="90487" bIns="44450"/>
+          <a:lstStyle/>
+          <a:p>
+            <a:r>
+              <a:rPr lang="en-GB"/>
+              <a:t>Concerned with demonstrating that the requirements define the system that the customer really wants.</a:t>
+            </a:r>
+          </a:p>
+          <a:p>
+            <a:r>
+              <a:rPr lang="en-GB"/>
+              <a:t>Requirements error costs are high so validation is very important</a:t>
+            </a:r>
+          </a:p>
+          <a:p>
+            <a:pPr lvl="1"/>
+            <a:r>
+              <a:rPr lang="en-GB"/>
+              <a:t>Fixing a requirements error after delivery may cost up to 100 times the cost of fixing an implementation error.</a:t>
+            </a:r>
           </a:p>
         </p:txBody>
       </p:sp>
@@ -13616,9 +13412,9 @@
             <a:pPr>
               <a:defRPr/>
             </a:pPr>
-            <a:fld id="{8C3E05B1-9A66-44D6-96E8-52FA3AF7BF13}" type="datetime1">
+            <a:fld id="{28DE480F-782B-4004-A564-EB6E5E29CE33}" type="datetime1">
               <a:rPr lang="en-US" smtClean="0"/>
-              <a:t>3/25/2019</a:t>
+              <a:t>4/1/2019</a:t>
             </a:fld>
             <a:endParaRPr lang="en-US" dirty="0"/>
           </a:p>
@@ -13629,9 +13425,7 @@
   <p:clrMapOvr>
     <a:masterClrMapping/>
   </p:clrMapOvr>
-  <p:transition spd="med">
-    <p:wipe dir="r"/>
-  </p:transition>
+  <p:transition/>
 </p:sld>
 </file>
 
@@ -13654,9 +13448,9 @@
       </p:grpSpPr>
       <p:sp>
         <p:nvSpPr>
-          <p:cNvPr id="2" name="Title 1"/>
-          <p:cNvSpPr>
-            <a:spLocks noGrp="1"/>
+          <p:cNvPr id="77826" name="Rectangle 2"/>
+          <p:cNvSpPr>
+            <a:spLocks noGrp="1" noChangeArrowheads="1"/>
           </p:cNvSpPr>
           <p:nvPr>
             <p:ph type="title"/>
@@ -13664,25 +13458,116 @@
         </p:nvSpPr>
         <p:spPr>
           <a:xfrm>
-            <a:off x="457200" y="2276872"/>
-            <a:ext cx="8229600" cy="1143000"/>
+            <a:off x="381000" y="266700"/>
+            <a:ext cx="8305800" cy="1104900"/>
           </a:xfrm>
         </p:spPr>
         <p:txBody>
           <a:bodyPr/>
           <a:lstStyle/>
           <a:p>
-            <a:pPr algn="ctr"/>
-            <a:r>
-              <a:rPr lang="en-US" dirty="0"/>
-              <a:t>Requirements change</a:t>
-            </a:r>
-          </a:p>
-        </p:txBody>
-      </p:sp>
-      <p:sp>
-        <p:nvSpPr>
-          <p:cNvPr id="5" name="Slide Number Placeholder 4"/>
+            <a:r>
+              <a:rPr lang="en-GB"/>
+              <a:t>Requirements validation techniques</a:t>
+            </a:r>
+          </a:p>
+        </p:txBody>
+      </p:sp>
+      <p:sp>
+        <p:nvSpPr>
+          <p:cNvPr id="77827" name="Rectangle 3"/>
+          <p:cNvSpPr>
+            <a:spLocks noGrp="1" noChangeArrowheads="1"/>
+          </p:cNvSpPr>
+          <p:nvPr>
+            <p:ph idx="1"/>
+          </p:nvPr>
+        </p:nvSpPr>
+        <p:spPr/>
+        <p:txBody>
+          <a:bodyPr/>
+          <a:lstStyle/>
+          <a:p>
+            <a:pPr>
+              <a:lnSpc>
+                <a:spcPct val="90000"/>
+              </a:lnSpc>
+            </a:pPr>
+            <a:r>
+              <a:rPr lang="en-GB" dirty="0"/>
+              <a:t>Requirements reviews</a:t>
+            </a:r>
+          </a:p>
+          <a:p>
+            <a:pPr lvl="1">
+              <a:lnSpc>
+                <a:spcPct val="90000"/>
+              </a:lnSpc>
+            </a:pPr>
+            <a:r>
+              <a:rPr lang="en-GB" dirty="0"/>
+              <a:t>Systematic manual analysis of the requirements.</a:t>
+            </a:r>
+          </a:p>
+          <a:p>
+            <a:pPr>
+              <a:lnSpc>
+                <a:spcPct val="90000"/>
+              </a:lnSpc>
+            </a:pPr>
+            <a:r>
+              <a:rPr lang="en-GB" dirty="0"/>
+              <a:t>Prototyping</a:t>
+            </a:r>
+          </a:p>
+          <a:p>
+            <a:pPr lvl="1">
+              <a:lnSpc>
+                <a:spcPct val="90000"/>
+              </a:lnSpc>
+            </a:pPr>
+            <a:r>
+              <a:rPr lang="en-GB" dirty="0"/>
+              <a:t>Using an executable model of the system to check requirements. </a:t>
+            </a:r>
+          </a:p>
+          <a:p>
+            <a:pPr>
+              <a:lnSpc>
+                <a:spcPct val="90000"/>
+              </a:lnSpc>
+            </a:pPr>
+            <a:r>
+              <a:rPr lang="en-GB" dirty="0"/>
+              <a:t>Test-case generation</a:t>
+            </a:r>
+          </a:p>
+          <a:p>
+            <a:pPr lvl="1">
+              <a:lnSpc>
+                <a:spcPct val="90000"/>
+              </a:lnSpc>
+            </a:pPr>
+            <a:r>
+              <a:rPr lang="en-GB" dirty="0"/>
+              <a:t>Developing tests for requirements to check testability.</a:t>
+            </a:r>
+          </a:p>
+          <a:p>
+            <a:pPr>
+              <a:lnSpc>
+                <a:spcPct val="90000"/>
+              </a:lnSpc>
+              <a:buFont typeface="Zapf Dingbats" charset="2"/>
+              <a:buNone/>
+            </a:pPr>
+            <a:endParaRPr lang="en-GB" dirty="0"/>
+          </a:p>
+        </p:txBody>
+      </p:sp>
+      <p:sp>
+        <p:nvSpPr>
+          <p:cNvPr id="4" name="Slide Number Placeholder 3"/>
           <p:cNvSpPr>
             <a:spLocks noGrp="1"/>
           </p:cNvSpPr>
@@ -13711,7 +13596,7 @@
       </p:sp>
       <p:sp>
         <p:nvSpPr>
-          <p:cNvPr id="3" name="Date Placeholder 2"/>
+          <p:cNvPr id="2" name="Date Placeholder 1"/>
           <p:cNvSpPr>
             <a:spLocks noGrp="1"/>
           </p:cNvSpPr>
@@ -13727,20 +13612,15 @@
             <a:pPr>
               <a:defRPr/>
             </a:pPr>
-            <a:fld id="{DE4F657D-2055-4E31-B14B-2E06A29DA047}" type="datetime1">
+            <a:fld id="{8C3E05B1-9A66-44D6-96E8-52FA3AF7BF13}" type="datetime1">
               <a:rPr lang="en-US" smtClean="0"/>
-              <a:t>3/25/2019</a:t>
+              <a:t>4/1/2019</a:t>
             </a:fld>
             <a:endParaRPr lang="en-US" dirty="0"/>
           </a:p>
         </p:txBody>
       </p:sp>
     </p:spTree>
-    <p:extLst>
-      <p:ext uri="{BB962C8B-B14F-4D97-AF65-F5344CB8AC3E}">
-        <p14:creationId xmlns:p14="http://schemas.microsoft.com/office/powerpoint/2010/main" val="3606619586"/>
-      </p:ext>
-    </p:extLst>
   </p:cSld>
   <p:clrMapOvr>
     <a:masterClrMapping/>
@@ -13770,7 +13650,7 @@
       </p:grpSpPr>
       <p:sp>
         <p:nvSpPr>
-          <p:cNvPr id="34818" name="Title 1"/>
+          <p:cNvPr id="2" name="Title 1"/>
           <p:cNvSpPr>
             <a:spLocks noGrp="1"/>
           </p:cNvSpPr>
@@ -13778,21 +13658,21 @@
             <p:ph type="title"/>
           </p:nvPr>
         </p:nvSpPr>
-        <p:spPr/>
-        <p:txBody>
-          <a:bodyPr/>
-          <a:lstStyle/>
-          <a:p>
-            <a:pPr eaLnBrk="1" hangingPunct="1"/>
+        <p:spPr>
+          <a:xfrm>
+            <a:off x="457200" y="2276872"/>
+            <a:ext cx="8229600" cy="1143000"/>
+          </a:xfrm>
+        </p:spPr>
+        <p:txBody>
+          <a:bodyPr/>
+          <a:lstStyle/>
+          <a:p>
+            <a:pPr algn="ctr"/>
             <a:r>
               <a:rPr lang="en-US" dirty="0"/>
-              <a:t>Requirements evolution</a:t>
-            </a:r>
-            <a:r>
-              <a:rPr lang="en-GB" dirty="0"/>
-              <a:t> </a:t>
-            </a:r>
-            <a:endParaRPr lang="en-US" dirty="0"/>
+              <a:t>Requirements change</a:t>
+            </a:r>
           </a:p>
         </p:txBody>
       </p:sp>
@@ -13825,33 +13705,9 @@
           </a:p>
         </p:txBody>
       </p:sp>
-      <p:pic>
-        <p:nvPicPr>
-          <p:cNvPr id="4" name="Picture 3" descr="4.17 ReqEvolution.eps"/>
-          <p:cNvPicPr>
-            <a:picLocks noChangeAspect="1"/>
-          </p:cNvPicPr>
-          <p:nvPr/>
-        </p:nvPicPr>
-        <p:blipFill>
-          <a:blip r:embed="rId2"/>
-          <a:stretch>
-            <a:fillRect/>
-          </a:stretch>
-        </p:blipFill>
-        <p:spPr>
-          <a:xfrm>
-            <a:off x="2133600" y="2514600"/>
-            <a:ext cx="5005917" cy="2514600"/>
-          </a:xfrm>
-          <a:prstGeom prst="rect">
-            <a:avLst/>
-          </a:prstGeom>
-        </p:spPr>
-      </p:pic>
-      <p:sp>
-        <p:nvSpPr>
-          <p:cNvPr id="2" name="Date Placeholder 1"/>
+      <p:sp>
+        <p:nvSpPr>
+          <p:cNvPr id="3" name="Date Placeholder 2"/>
           <p:cNvSpPr>
             <a:spLocks noGrp="1"/>
           </p:cNvSpPr>
@@ -13867,15 +13723,20 @@
             <a:pPr>
               <a:defRPr/>
             </a:pPr>
-            <a:fld id="{0398E996-0F84-49D4-A76D-EA3ABB6F115B}" type="datetime1">
+            <a:fld id="{DE4F657D-2055-4E31-B14B-2E06A29DA047}" type="datetime1">
               <a:rPr lang="en-US" smtClean="0"/>
-              <a:t>3/25/2019</a:t>
+              <a:t>4/1/2019</a:t>
             </a:fld>
             <a:endParaRPr lang="en-US" dirty="0"/>
           </a:p>
         </p:txBody>
       </p:sp>
     </p:spTree>
+    <p:extLst>
+      <p:ext uri="{BB962C8B-B14F-4D97-AF65-F5344CB8AC3E}">
+        <p14:creationId xmlns:p14="http://schemas.microsoft.com/office/powerpoint/2010/main" val="3606619586"/>
+      </p:ext>
+    </p:extLst>
   </p:cSld>
   <p:clrMapOvr>
     <a:masterClrMapping/>
@@ -14040,7 +13901,7 @@
             </a:pPr>
             <a:fld id="{E5086936-F198-45B9-9DD8-2991E5AB75B7}" type="datetime1">
               <a:rPr lang="en-US" smtClean="0"/>
-              <a:t>3/25/2019</a:t>
+              <a:t>4/1/2019</a:t>
             </a:fld>
             <a:endParaRPr lang="en-US" dirty="0"/>
           </a:p>
@@ -14074,7 +13935,7 @@
       </p:grpSpPr>
       <p:sp>
         <p:nvSpPr>
-          <p:cNvPr id="2" name="Title 1"/>
+          <p:cNvPr id="34818" name="Title 1"/>
           <p:cNvSpPr>
             <a:spLocks noGrp="1"/>
           </p:cNvSpPr>
@@ -14087,128 +13948,16 @@
           <a:bodyPr/>
           <a:lstStyle/>
           <a:p>
+            <a:pPr eaLnBrk="1" hangingPunct="1"/>
             <a:r>
               <a:rPr lang="en-US" dirty="0"/>
-              <a:t>Requirements change management</a:t>
-            </a:r>
-          </a:p>
-        </p:txBody>
-      </p:sp>
-      <p:sp>
-        <p:nvSpPr>
-          <p:cNvPr id="3" name="Content Placeholder 2"/>
-          <p:cNvSpPr>
-            <a:spLocks noGrp="1"/>
-          </p:cNvSpPr>
-          <p:nvPr>
-            <p:ph idx="1"/>
-          </p:nvPr>
-        </p:nvSpPr>
-        <p:spPr/>
-        <p:txBody>
-          <a:bodyPr/>
-          <a:lstStyle/>
-          <a:p>
-            <a:r>
-              <a:rPr lang="en-US" dirty="0">
-                <a:solidFill>
-                  <a:srgbClr val="000000"/>
-                </a:solidFill>
-              </a:rPr>
-              <a:t>Deciding if a requirements change should be accepted</a:t>
-            </a:r>
-          </a:p>
-          <a:p>
-            <a:pPr lvl="1"/>
-            <a:r>
-              <a:rPr lang="en-US" i="1" dirty="0">
-                <a:solidFill>
-                  <a:srgbClr val="000000"/>
-                </a:solidFill>
-              </a:rPr>
-              <a:t>Problem analysis and change specification</a:t>
-            </a:r>
-            <a:r>
-              <a:rPr lang="en-US" dirty="0">
-                <a:solidFill>
-                  <a:srgbClr val="000000"/>
-                </a:solidFill>
-              </a:rPr>
+              <a:t>Requirements evolution</a:t>
+            </a:r>
+            <a:r>
+              <a:rPr lang="en-GB" dirty="0"/>
               <a:t> </a:t>
             </a:r>
-          </a:p>
-          <a:p>
-            <a:pPr lvl="2"/>
-            <a:r>
-              <a:rPr lang="en-US" dirty="0">
-                <a:solidFill>
-                  <a:srgbClr val="000000"/>
-                </a:solidFill>
-              </a:rPr>
-              <a:t>During this stage, the problem or the change proposal is analyzed to check that it is valid. This analysis is fed back to the change requestor who may respond with a more specific requirements change proposal, or decide to withdraw the request.</a:t>
-            </a:r>
-            <a:endParaRPr lang="en-GB" dirty="0">
-              <a:solidFill>
-                <a:srgbClr val="000000"/>
-              </a:solidFill>
-            </a:endParaRPr>
-          </a:p>
-          <a:p>
-            <a:pPr lvl="1"/>
-            <a:r>
-              <a:rPr lang="en-US" i="1" dirty="0">
-                <a:solidFill>
-                  <a:srgbClr val="000000"/>
-                </a:solidFill>
-              </a:rPr>
-              <a:t>Change analysis and costing</a:t>
-            </a:r>
-            <a:r>
-              <a:rPr lang="en-US" dirty="0">
-                <a:solidFill>
-                  <a:srgbClr val="000000"/>
-                </a:solidFill>
-              </a:rPr>
-              <a:t> </a:t>
-            </a:r>
-          </a:p>
-          <a:p>
-            <a:pPr lvl="2"/>
-            <a:r>
-              <a:rPr lang="en-US" dirty="0">
-                <a:solidFill>
-                  <a:srgbClr val="000000"/>
-                </a:solidFill>
-              </a:rPr>
-              <a:t>The effect of the proposed change is assessed using traceability information and general knowledge of the system requirements. Once this analysis is completed, a decision is made whether or not to proceed with the requirements change.</a:t>
-            </a:r>
-            <a:endParaRPr lang="en-GB" dirty="0">
-              <a:solidFill>
-                <a:srgbClr val="000000"/>
-              </a:solidFill>
-            </a:endParaRPr>
-          </a:p>
-          <a:p>
-            <a:pPr lvl="1"/>
-            <a:r>
-              <a:rPr lang="en-US" dirty="0">
-                <a:solidFill>
-                  <a:srgbClr val="000000"/>
-                </a:solidFill>
-              </a:rPr>
-              <a:t>Change implementation </a:t>
-            </a:r>
-          </a:p>
-          <a:p>
-            <a:pPr lvl="2"/>
-            <a:r>
-              <a:rPr lang="en-US" dirty="0">
-                <a:solidFill>
-                  <a:srgbClr val="000000"/>
-                </a:solidFill>
-              </a:rPr>
-              <a:t>The requirements document and, where necessary, the system design and implementation, are modified. Ideally, the document should be organized so that changes can be easily implemented.</a:t>
-            </a:r>
+            <a:endParaRPr lang="en-US" dirty="0"/>
           </a:p>
         </p:txBody>
       </p:sp>
@@ -14241,9 +13990,33 @@
           </a:p>
         </p:txBody>
       </p:sp>
-      <p:sp>
-        <p:nvSpPr>
-          <p:cNvPr id="6" name="Date Placeholder 5"/>
+      <p:pic>
+        <p:nvPicPr>
+          <p:cNvPr id="4" name="Picture 3" descr="4.17 ReqEvolution.eps"/>
+          <p:cNvPicPr>
+            <a:picLocks noChangeAspect="1"/>
+          </p:cNvPicPr>
+          <p:nvPr/>
+        </p:nvPicPr>
+        <p:blipFill>
+          <a:blip r:embed="rId2"/>
+          <a:stretch>
+            <a:fillRect/>
+          </a:stretch>
+        </p:blipFill>
+        <p:spPr>
+          <a:xfrm>
+            <a:off x="2133600" y="2514600"/>
+            <a:ext cx="5005917" cy="2514600"/>
+          </a:xfrm>
+          <a:prstGeom prst="rect">
+            <a:avLst/>
+          </a:prstGeom>
+        </p:spPr>
+      </p:pic>
+      <p:sp>
+        <p:nvSpPr>
+          <p:cNvPr id="2" name="Date Placeholder 1"/>
           <p:cNvSpPr>
             <a:spLocks noGrp="1"/>
           </p:cNvSpPr>
@@ -14259,9 +14032,9 @@
             <a:pPr>
               <a:defRPr/>
             </a:pPr>
-            <a:fld id="{F0BAA1DE-49E5-49F6-BF24-620796D6BA33}" type="datetime1">
+            <a:fld id="{0398E996-0F84-49D4-A76D-EA3ABB6F115B}" type="datetime1">
               <a:rPr lang="en-US" smtClean="0"/>
-              <a:t>3/25/2019</a:t>
+              <a:t>4/1/2019</a:t>
             </a:fld>
             <a:endParaRPr lang="en-US" dirty="0"/>
           </a:p>
@@ -14297,7 +14070,7 @@
       </p:grpSpPr>
       <p:sp>
         <p:nvSpPr>
-          <p:cNvPr id="35842" name="Title 1"/>
+          <p:cNvPr id="2" name="Title 1"/>
           <p:cNvSpPr>
             <a:spLocks noGrp="1"/>
           </p:cNvSpPr>
@@ -14310,16 +14083,128 @@
           <a:bodyPr/>
           <a:lstStyle/>
           <a:p>
-            <a:pPr eaLnBrk="1" hangingPunct="1"/>
             <a:r>
               <a:rPr lang="en-US" dirty="0"/>
               <a:t>Requirements change management</a:t>
             </a:r>
-            <a:r>
-              <a:rPr lang="en-GB" dirty="0"/>
+          </a:p>
+        </p:txBody>
+      </p:sp>
+      <p:sp>
+        <p:nvSpPr>
+          <p:cNvPr id="3" name="Content Placeholder 2"/>
+          <p:cNvSpPr>
+            <a:spLocks noGrp="1"/>
+          </p:cNvSpPr>
+          <p:nvPr>
+            <p:ph idx="1"/>
+          </p:nvPr>
+        </p:nvSpPr>
+        <p:spPr/>
+        <p:txBody>
+          <a:bodyPr/>
+          <a:lstStyle/>
+          <a:p>
+            <a:r>
+              <a:rPr lang="en-US" dirty="0">
+                <a:solidFill>
+                  <a:srgbClr val="000000"/>
+                </a:solidFill>
+              </a:rPr>
+              <a:t>Deciding if a requirements change should be accepted</a:t>
+            </a:r>
+          </a:p>
+          <a:p>
+            <a:pPr lvl="1"/>
+            <a:r>
+              <a:rPr lang="en-US" i="1" dirty="0">
+                <a:solidFill>
+                  <a:srgbClr val="000000"/>
+                </a:solidFill>
+              </a:rPr>
+              <a:t>Problem analysis and change specification</a:t>
+            </a:r>
+            <a:r>
+              <a:rPr lang="en-US" dirty="0">
+                <a:solidFill>
+                  <a:srgbClr val="000000"/>
+                </a:solidFill>
+              </a:rPr>
               <a:t> </a:t>
             </a:r>
-            <a:endParaRPr lang="en-US" dirty="0"/>
+          </a:p>
+          <a:p>
+            <a:pPr lvl="2"/>
+            <a:r>
+              <a:rPr lang="en-US" dirty="0">
+                <a:solidFill>
+                  <a:srgbClr val="000000"/>
+                </a:solidFill>
+              </a:rPr>
+              <a:t>During this stage, the problem or the change proposal is analyzed to check that it is valid. This analysis is fed back to the change requestor who may respond with a more specific requirements change proposal, or decide to withdraw the request.</a:t>
+            </a:r>
+            <a:endParaRPr lang="en-GB" dirty="0">
+              <a:solidFill>
+                <a:srgbClr val="000000"/>
+              </a:solidFill>
+            </a:endParaRPr>
+          </a:p>
+          <a:p>
+            <a:pPr lvl="1"/>
+            <a:r>
+              <a:rPr lang="en-US" i="1" dirty="0">
+                <a:solidFill>
+                  <a:srgbClr val="000000"/>
+                </a:solidFill>
+              </a:rPr>
+              <a:t>Change analysis and costing</a:t>
+            </a:r>
+            <a:r>
+              <a:rPr lang="en-US" dirty="0">
+                <a:solidFill>
+                  <a:srgbClr val="000000"/>
+                </a:solidFill>
+              </a:rPr>
+              <a:t> </a:t>
+            </a:r>
+          </a:p>
+          <a:p>
+            <a:pPr lvl="2"/>
+            <a:r>
+              <a:rPr lang="en-US" dirty="0">
+                <a:solidFill>
+                  <a:srgbClr val="000000"/>
+                </a:solidFill>
+              </a:rPr>
+              <a:t>The effect of the proposed change is assessed using traceability information and general knowledge of the system requirements. Once this analysis is completed, a decision is made whether or not to proceed with the requirements change.</a:t>
+            </a:r>
+            <a:endParaRPr lang="en-GB" dirty="0">
+              <a:solidFill>
+                <a:srgbClr val="000000"/>
+              </a:solidFill>
+            </a:endParaRPr>
+          </a:p>
+          <a:p>
+            <a:pPr lvl="1"/>
+            <a:r>
+              <a:rPr lang="en-US" dirty="0">
+                <a:solidFill>
+                  <a:srgbClr val="000000"/>
+                </a:solidFill>
+              </a:rPr>
+              <a:t>Change implementation </a:t>
+            </a:r>
+          </a:p>
+          <a:p>
+            <a:pPr lvl="2"/>
+            <a:r>
+              <a:rPr lang="en-US" dirty="0">
+                <a:solidFill>
+                  <a:srgbClr val="000000"/>
+                </a:solidFill>
+              </a:rPr>
+              <a:t>The requirements document and, where necessary, the system design and implementation, are modified. Ideally, the document should be organized so that changes can be easily implemented.</a:t>
+            </a:r>
           </a:p>
         </p:txBody>
       </p:sp>
@@ -14352,33 +14237,9 @@
           </a:p>
         </p:txBody>
       </p:sp>
-      <p:pic>
-        <p:nvPicPr>
-          <p:cNvPr id="4" name="Picture 3" descr="4.18 ReqChangeMan.eps"/>
-          <p:cNvPicPr>
-            <a:picLocks noChangeAspect="1"/>
-          </p:cNvPicPr>
-          <p:nvPr/>
-        </p:nvPicPr>
-        <p:blipFill>
-          <a:blip r:embed="rId2"/>
-          <a:stretch>
-            <a:fillRect/>
-          </a:stretch>
-        </p:blipFill>
-        <p:spPr>
-          <a:xfrm>
-            <a:off x="228600" y="3136900"/>
-            <a:ext cx="8661952" cy="1054100"/>
-          </a:xfrm>
-          <a:prstGeom prst="rect">
-            <a:avLst/>
-          </a:prstGeom>
-        </p:spPr>
-      </p:pic>
-      <p:sp>
-        <p:nvSpPr>
-          <p:cNvPr id="2" name="Date Placeholder 1"/>
+      <p:sp>
+        <p:nvSpPr>
+          <p:cNvPr id="6" name="Date Placeholder 5"/>
           <p:cNvSpPr>
             <a:spLocks noGrp="1"/>
           </p:cNvSpPr>
@@ -14394,9 +14255,9 @@
             <a:pPr>
               <a:defRPr/>
             </a:pPr>
-            <a:fld id="{160766B0-C4C5-4537-955E-63AC7020C8DE}" type="datetime1">
+            <a:fld id="{F0BAA1DE-49E5-49F6-BF24-620796D6BA33}" type="datetime1">
               <a:rPr lang="en-US" smtClean="0"/>
-              <a:t>3/25/2019</a:t>
+              <a:t>4/1/2019</a:t>
             </a:fld>
             <a:endParaRPr lang="en-US" dirty="0"/>
           </a:p>
@@ -14432,6 +14293,141 @@
       </p:grpSpPr>
       <p:sp>
         <p:nvSpPr>
+          <p:cNvPr id="35842" name="Title 1"/>
+          <p:cNvSpPr>
+            <a:spLocks noGrp="1"/>
+          </p:cNvSpPr>
+          <p:nvPr>
+            <p:ph type="title"/>
+          </p:nvPr>
+        </p:nvSpPr>
+        <p:spPr/>
+        <p:txBody>
+          <a:bodyPr/>
+          <a:lstStyle/>
+          <a:p>
+            <a:pPr eaLnBrk="1" hangingPunct="1"/>
+            <a:r>
+              <a:rPr lang="en-US" dirty="0"/>
+              <a:t>Requirements change management</a:t>
+            </a:r>
+            <a:r>
+              <a:rPr lang="en-GB" dirty="0"/>
+              <a:t> </a:t>
+            </a:r>
+            <a:endParaRPr lang="en-US" dirty="0"/>
+          </a:p>
+        </p:txBody>
+      </p:sp>
+      <p:sp>
+        <p:nvSpPr>
+          <p:cNvPr id="5" name="Slide Number Placeholder 4"/>
+          <p:cNvSpPr>
+            <a:spLocks noGrp="1"/>
+          </p:cNvSpPr>
+          <p:nvPr>
+            <p:ph type="sldNum" sz="quarter" idx="12"/>
+          </p:nvPr>
+        </p:nvSpPr>
+        <p:spPr/>
+        <p:txBody>
+          <a:bodyPr/>
+          <a:lstStyle/>
+          <a:p>
+            <a:pPr>
+              <a:defRPr/>
+            </a:pPr>
+            <a:fld id="{825F70CE-84E9-D04C-9B15-10C693AA0F2A}" type="slidenum">
+              <a:rPr lang="en-US" smtClean="0"/>
+              <a:pPr>
+                <a:defRPr/>
+              </a:pPr>
+              <a:t>52</a:t>
+            </a:fld>
+            <a:endParaRPr lang="en-US"/>
+          </a:p>
+        </p:txBody>
+      </p:sp>
+      <p:pic>
+        <p:nvPicPr>
+          <p:cNvPr id="4" name="Picture 3" descr="4.18 ReqChangeMan.eps"/>
+          <p:cNvPicPr>
+            <a:picLocks noChangeAspect="1"/>
+          </p:cNvPicPr>
+          <p:nvPr/>
+        </p:nvPicPr>
+        <p:blipFill>
+          <a:blip r:embed="rId2"/>
+          <a:stretch>
+            <a:fillRect/>
+          </a:stretch>
+        </p:blipFill>
+        <p:spPr>
+          <a:xfrm>
+            <a:off x="228600" y="3136900"/>
+            <a:ext cx="8661952" cy="1054100"/>
+          </a:xfrm>
+          <a:prstGeom prst="rect">
+            <a:avLst/>
+          </a:prstGeom>
+        </p:spPr>
+      </p:pic>
+      <p:sp>
+        <p:nvSpPr>
+          <p:cNvPr id="2" name="Date Placeholder 1"/>
+          <p:cNvSpPr>
+            <a:spLocks noGrp="1"/>
+          </p:cNvSpPr>
+          <p:nvPr>
+            <p:ph type="dt" sz="half" idx="10"/>
+          </p:nvPr>
+        </p:nvSpPr>
+        <p:spPr/>
+        <p:txBody>
+          <a:bodyPr/>
+          <a:lstStyle/>
+          <a:p>
+            <a:pPr>
+              <a:defRPr/>
+            </a:pPr>
+            <a:fld id="{160766B0-C4C5-4537-955E-63AC7020C8DE}" type="datetime1">
+              <a:rPr lang="en-US" smtClean="0"/>
+              <a:t>4/1/2019</a:t>
+            </a:fld>
+            <a:endParaRPr lang="en-US" dirty="0"/>
+          </a:p>
+        </p:txBody>
+      </p:sp>
+    </p:spTree>
+  </p:cSld>
+  <p:clrMapOvr>
+    <a:masterClrMapping/>
+  </p:clrMapOvr>
+  <p:transition spd="med">
+    <p:wipe dir="r"/>
+  </p:transition>
+</p:sld>
+</file>
+
+<file path=ppt/slides/slide53.xml><?xml version="1.0" encoding="utf-8"?>
+<p:sld xmlns:a="http://schemas.openxmlformats.org/drawingml/2006/main" xmlns:r="http://schemas.openxmlformats.org/officeDocument/2006/relationships" xmlns:p="http://schemas.openxmlformats.org/presentationml/2006/main">
+  <p:cSld>
+    <p:spTree>
+      <p:nvGrpSpPr>
+        <p:cNvPr id="1" name=""/>
+        <p:cNvGrpSpPr/>
+        <p:nvPr/>
+      </p:nvGrpSpPr>
+      <p:grpSpPr>
+        <a:xfrm>
+          <a:off x="0" y="0"/>
+          <a:ext cx="0" cy="0"/>
+          <a:chOff x="0" y="0"/>
+          <a:chExt cx="0" cy="0"/>
+        </a:xfrm>
+      </p:grpSpPr>
+      <p:sp>
+        <p:nvSpPr>
           <p:cNvPr id="2" name="Title 1">
             <a:extLst>
               <a:ext uri="{FF2B5EF4-FFF2-40B4-BE49-F238E27FC236}">
@@ -14506,7 +14502,7 @@
             </a:pPr>
             <a:fld id="{3020885F-0361-44C5-BBE0-75315CF928BE}" type="datetime1">
               <a:rPr lang="en-US" smtClean="0"/>
-              <a:t>3/25/2019</a:t>
+              <a:t>4/1/2019</a:t>
             </a:fld>
             <a:endParaRPr lang="en-US" dirty="0"/>
           </a:p>
@@ -14541,7 +14537,7 @@
               <a:pPr>
                 <a:defRPr/>
               </a:pPr>
-              <a:t>52</a:t>
+              <a:t>53</a:t>
             </a:fld>
             <a:endParaRPr lang="en-US"/>
           </a:p>
@@ -14593,7 +14589,7 @@
 </p:sld>
 </file>
 
-<file path=ppt/slides/slide53.xml><?xml version="1.0" encoding="utf-8"?>
+<file path=ppt/slides/slide54.xml><?xml version="1.0" encoding="utf-8"?>
 <p:sld xmlns:a="http://schemas.openxmlformats.org/drawingml/2006/main" xmlns:r="http://schemas.openxmlformats.org/officeDocument/2006/relationships" xmlns:p="http://schemas.openxmlformats.org/presentationml/2006/main">
   <p:cSld>
     <p:spTree>
@@ -14686,7 +14682,7 @@
             </a:pPr>
             <a:fld id="{42B90ABC-B12E-4288-A8F3-D4AB3D558886}" type="datetime1">
               <a:rPr lang="en-US" smtClean="0"/>
-              <a:t>3/25/2019</a:t>
+              <a:t>4/1/2019</a:t>
             </a:fld>
             <a:endParaRPr lang="en-US" dirty="0"/>
           </a:p>
@@ -14721,7 +14717,7 @@
               <a:pPr>
                 <a:defRPr/>
               </a:pPr>
-              <a:t>53</a:t>
+              <a:t>54</a:t>
             </a:fld>
             <a:endParaRPr lang="en-US"/>
           </a:p>
@@ -14773,7 +14769,7 @@
 </p:sld>
 </file>
 
-<file path=ppt/slides/slide54.xml><?xml version="1.0" encoding="utf-8"?>
+<file path=ppt/slides/slide55.xml><?xml version="1.0" encoding="utf-8"?>
 <p:sld xmlns:a="http://schemas.openxmlformats.org/drawingml/2006/main" xmlns:r="http://schemas.openxmlformats.org/officeDocument/2006/relationships" xmlns:p="http://schemas.openxmlformats.org/presentationml/2006/main">
   <p:cSld>
     <p:spTree>
@@ -14866,7 +14862,7 @@
             </a:pPr>
             <a:fld id="{9DA53F2A-9320-4B59-8D18-73814DD6371F}" type="datetime1">
               <a:rPr lang="en-US" smtClean="0"/>
-              <a:t>3/25/2019</a:t>
+              <a:t>4/1/2019</a:t>
             </a:fld>
             <a:endParaRPr lang="en-US" dirty="0"/>
           </a:p>
@@ -14901,7 +14897,7 @@
               <a:pPr>
                 <a:defRPr/>
               </a:pPr>
-              <a:t>54</a:t>
+              <a:t>55</a:t>
             </a:fld>
             <a:endParaRPr lang="en-US"/>
           </a:p>
@@ -14953,7 +14949,7 @@
 </p:sld>
 </file>
 
-<file path=ppt/slides/slide55.xml><?xml version="1.0" encoding="utf-8"?>
+<file path=ppt/slides/slide56.xml><?xml version="1.0" encoding="utf-8"?>
 <p:sld xmlns:a="http://schemas.openxmlformats.org/drawingml/2006/main" xmlns:r="http://schemas.openxmlformats.org/officeDocument/2006/relationships" xmlns:p="http://schemas.openxmlformats.org/presentationml/2006/main">
   <p:cSld>
     <p:spTree>
@@ -15046,7 +15042,7 @@
             </a:pPr>
             <a:fld id="{1D870410-FFBC-490D-9D59-CBF4880FE71D}" type="datetime1">
               <a:rPr lang="en-US" smtClean="0"/>
-              <a:t>3/25/2019</a:t>
+              <a:t>4/1/2019</a:t>
             </a:fld>
             <a:endParaRPr lang="en-US" dirty="0"/>
           </a:p>
@@ -15081,7 +15077,7 @@
               <a:pPr>
                 <a:defRPr/>
               </a:pPr>
-              <a:t>55</a:t>
+              <a:t>56</a:t>
             </a:fld>
             <a:endParaRPr lang="en-US"/>
           </a:p>
@@ -15133,7 +15129,7 @@
 </p:sld>
 </file>
 
-<file path=ppt/slides/slide56.xml><?xml version="1.0" encoding="utf-8"?>
+<file path=ppt/slides/slide57.xml><?xml version="1.0" encoding="utf-8"?>
 <p:sld xmlns:a="http://schemas.openxmlformats.org/drawingml/2006/main" xmlns:r="http://schemas.openxmlformats.org/officeDocument/2006/relationships" xmlns:p="http://schemas.openxmlformats.org/presentationml/2006/main">
   <p:cSld>
     <p:spTree>
@@ -15229,7 +15225,7 @@
             </a:pPr>
             <a:fld id="{6083B7C7-5F4F-4077-A467-90F19E5FFE9D}" type="datetime1">
               <a:rPr lang="en-US" smtClean="0"/>
-              <a:t>3/25/2019</a:t>
+              <a:t>4/1/2019</a:t>
             </a:fld>
             <a:endParaRPr lang="en-US" dirty="0"/>
           </a:p>
@@ -15264,7 +15260,7 @@
               <a:pPr>
                 <a:defRPr/>
               </a:pPr>
-              <a:t>56</a:t>
+              <a:t>57</a:t>
             </a:fld>
             <a:endParaRPr lang="en-US"/>
           </a:p>
@@ -15392,7 +15388,7 @@
           <a:p>
             <a:fld id="{E0894F73-267D-4E20-8DCA-C10953CA0A33}" type="datetime1">
               <a:rPr lang="en-US" smtClean="0"/>
-              <a:t>3/25/2019</a:t>
+              <a:t>4/1/2019</a:t>
             </a:fld>
             <a:endParaRPr lang="en-US" dirty="0"/>
           </a:p>
@@ -15681,7 +15677,7 @@
             <a:fld id="{E0894F73-267D-4E20-8DCA-C10953CA0A33}" type="datetime1">
               <a:rPr lang="en-US" smtClean="0"/>
               <a:pPr/>
-              <a:t>3/25/2019</a:t>
+              <a:t>4/1/2019</a:t>
             </a:fld>
             <a:endParaRPr lang="en-US" dirty="0"/>
           </a:p>
@@ -15948,7 +15944,7 @@
             <a:fld id="{D64169F9-F0D9-437E-948D-D1E10C56DD32}" type="datetime1">
               <a:rPr lang="en-US" smtClean="0"/>
               <a:pPr/>
-              <a:t>3/25/2019</a:t>
+              <a:t>4/1/2019</a:t>
             </a:fld>
             <a:endParaRPr lang="en-US" dirty="0"/>
           </a:p>
@@ -16089,7 +16085,7 @@
             </a:pPr>
             <a:fld id="{54033DCB-98DB-49B6-9421-7FEF6A043107}" type="datetime1">
               <a:rPr lang="en-US" smtClean="0"/>
-              <a:t>3/25/2019</a:t>
+              <a:t>4/1/2019</a:t>
             </a:fld>
             <a:endParaRPr lang="en-US" dirty="0"/>
           </a:p>
